--- a/Project Presentation.pptx
+++ b/Project Presentation.pptx
@@ -35,8 +35,6 @@
     <p:sldId id="282" r:id="rId30"/>
     <p:sldId id="283" r:id="rId31"/>
     <p:sldId id="284" r:id="rId32"/>
-    <p:sldId id="285" r:id="rId33"/>
-    <p:sldId id="286" r:id="rId34"/>
   </p:sldIdLst>
   <p:sldSz cx="12192000" cy="6858000"/>
   <p:notesSz cx="7559675" cy="10691812"/>
@@ -9152,10 +9150,8 @@
             <a:noAutofit/>
           </a:bodyPr>
           <a:p>
-            <a:endParaRPr b="0" lang="en-US" sz="1800" spc="-1" strike="noStrike">
-              <a:solidFill>
-                <a:srgbClr val="000000"/>
-              </a:solidFill>
+            <a:pPr algn="ctr"/>
+            <a:endParaRPr b="0" lang="en-US" sz="4400" spc="-1" strike="noStrike">
               <a:latin typeface="Arial"/>
             </a:endParaRPr>
           </a:p>
@@ -9185,10 +9181,7 @@
             <a:normAutofit/>
           </a:bodyPr>
           <a:p>
-            <a:endParaRPr b="0" lang="en-US" sz="2800" spc="-1" strike="noStrike">
-              <a:solidFill>
-                <a:srgbClr val="000000"/>
-              </a:solidFill>
+            <a:endParaRPr b="0" lang="en-US" sz="3200" spc="-1" strike="noStrike">
               <a:latin typeface="Arial"/>
             </a:endParaRPr>
           </a:p>
@@ -9218,10 +9211,7 @@
             <a:normAutofit/>
           </a:bodyPr>
           <a:p>
-            <a:endParaRPr b="0" lang="en-US" sz="2800" spc="-1" strike="noStrike">
-              <a:solidFill>
-                <a:srgbClr val="000000"/>
-              </a:solidFill>
+            <a:endParaRPr b="0" lang="en-US" sz="3200" spc="-1" strike="noStrike">
               <a:latin typeface="Arial"/>
             </a:endParaRPr>
           </a:p>
@@ -9273,10 +9263,8 @@
             <a:noAutofit/>
           </a:bodyPr>
           <a:p>
-            <a:endParaRPr b="0" lang="en-US" sz="1800" spc="-1" strike="noStrike">
-              <a:solidFill>
-                <a:srgbClr val="000000"/>
-              </a:solidFill>
+            <a:pPr algn="ctr"/>
+            <a:endParaRPr b="0" lang="en-US" sz="4400" spc="-1" strike="noStrike">
               <a:latin typeface="Arial"/>
             </a:endParaRPr>
           </a:p>
@@ -9306,10 +9294,7 @@
             <a:normAutofit/>
           </a:bodyPr>
           <a:p>
-            <a:endParaRPr b="0" lang="en-US" sz="2800" spc="-1" strike="noStrike">
-              <a:solidFill>
-                <a:srgbClr val="000000"/>
-              </a:solidFill>
+            <a:endParaRPr b="0" lang="en-US" sz="3200" spc="-1" strike="noStrike">
               <a:latin typeface="Arial"/>
             </a:endParaRPr>
           </a:p>
@@ -9339,10 +9324,7 @@
             <a:normAutofit/>
           </a:bodyPr>
           <a:p>
-            <a:endParaRPr b="0" lang="en-US" sz="2800" spc="-1" strike="noStrike">
-              <a:solidFill>
-                <a:srgbClr val="000000"/>
-              </a:solidFill>
+            <a:endParaRPr b="0" lang="en-US" sz="3200" spc="-1" strike="noStrike">
               <a:latin typeface="Arial"/>
             </a:endParaRPr>
           </a:p>
@@ -9372,10 +9354,7 @@
             <a:normAutofit/>
           </a:bodyPr>
           <a:p>
-            <a:endParaRPr b="0" lang="en-US" sz="2800" spc="-1" strike="noStrike">
-              <a:solidFill>
-                <a:srgbClr val="000000"/>
-              </a:solidFill>
+            <a:endParaRPr b="0" lang="en-US" sz="3200" spc="-1" strike="noStrike">
               <a:latin typeface="Arial"/>
             </a:endParaRPr>
           </a:p>
@@ -9405,10 +9384,7 @@
             <a:normAutofit/>
           </a:bodyPr>
           <a:p>
-            <a:endParaRPr b="0" lang="en-US" sz="2800" spc="-1" strike="noStrike">
-              <a:solidFill>
-                <a:srgbClr val="000000"/>
-              </a:solidFill>
+            <a:endParaRPr b="0" lang="en-US" sz="3200" spc="-1" strike="noStrike">
               <a:latin typeface="Arial"/>
             </a:endParaRPr>
           </a:p>
@@ -9460,10 +9436,8 @@
             <a:noAutofit/>
           </a:bodyPr>
           <a:p>
-            <a:endParaRPr b="0" lang="en-US" sz="1800" spc="-1" strike="noStrike">
-              <a:solidFill>
-                <a:srgbClr val="000000"/>
-              </a:solidFill>
+            <a:pPr algn="ctr"/>
+            <a:endParaRPr b="0" lang="en-US" sz="4400" spc="-1" strike="noStrike">
               <a:latin typeface="Arial"/>
             </a:endParaRPr>
           </a:p>
@@ -9493,10 +9467,7 @@
             <a:normAutofit/>
           </a:bodyPr>
           <a:p>
-            <a:endParaRPr b="0" lang="en-US" sz="2800" spc="-1" strike="noStrike">
-              <a:solidFill>
-                <a:srgbClr val="000000"/>
-              </a:solidFill>
+            <a:endParaRPr b="0" lang="en-US" sz="3200" spc="-1" strike="noStrike">
               <a:latin typeface="Arial"/>
             </a:endParaRPr>
           </a:p>
@@ -9526,10 +9497,7 @@
             <a:normAutofit/>
           </a:bodyPr>
           <a:p>
-            <a:endParaRPr b="0" lang="en-US" sz="2800" spc="-1" strike="noStrike">
-              <a:solidFill>
-                <a:srgbClr val="000000"/>
-              </a:solidFill>
+            <a:endParaRPr b="0" lang="en-US" sz="3200" spc="-1" strike="noStrike">
               <a:latin typeface="Arial"/>
             </a:endParaRPr>
           </a:p>
@@ -9559,10 +9527,7 @@
             <a:normAutofit/>
           </a:bodyPr>
           <a:p>
-            <a:endParaRPr b="0" lang="en-US" sz="2800" spc="-1" strike="noStrike">
-              <a:solidFill>
-                <a:srgbClr val="000000"/>
-              </a:solidFill>
+            <a:endParaRPr b="0" lang="en-US" sz="3200" spc="-1" strike="noStrike">
               <a:latin typeface="Arial"/>
             </a:endParaRPr>
           </a:p>
@@ -9592,10 +9557,7 @@
             <a:normAutofit/>
           </a:bodyPr>
           <a:p>
-            <a:endParaRPr b="0" lang="en-US" sz="2800" spc="-1" strike="noStrike">
-              <a:solidFill>
-                <a:srgbClr val="000000"/>
-              </a:solidFill>
+            <a:endParaRPr b="0" lang="en-US" sz="3200" spc="-1" strike="noStrike">
               <a:latin typeface="Arial"/>
             </a:endParaRPr>
           </a:p>
@@ -9625,10 +9587,7 @@
             <a:normAutofit/>
           </a:bodyPr>
           <a:p>
-            <a:endParaRPr b="0" lang="en-US" sz="2800" spc="-1" strike="noStrike">
-              <a:solidFill>
-                <a:srgbClr val="000000"/>
-              </a:solidFill>
+            <a:endParaRPr b="0" lang="en-US" sz="3200" spc="-1" strike="noStrike">
               <a:latin typeface="Arial"/>
             </a:endParaRPr>
           </a:p>
@@ -9658,10 +9617,7 @@
             <a:normAutofit/>
           </a:bodyPr>
           <a:p>
-            <a:endParaRPr b="0" lang="en-US" sz="2800" spc="-1" strike="noStrike">
-              <a:solidFill>
-                <a:srgbClr val="000000"/>
-              </a:solidFill>
+            <a:endParaRPr b="0" lang="en-US" sz="3200" spc="-1" strike="noStrike">
               <a:latin typeface="Arial"/>
             </a:endParaRPr>
           </a:p>
@@ -9735,10 +9691,8 @@
             <a:noAutofit/>
           </a:bodyPr>
           <a:p>
-            <a:endParaRPr b="0" lang="en-US" sz="1800" spc="-1" strike="noStrike">
-              <a:solidFill>
-                <a:srgbClr val="000000"/>
-              </a:solidFill>
+            <a:pPr algn="ctr"/>
+            <a:endParaRPr b="0" lang="en-US" sz="4400" spc="-1" strike="noStrike">
               <a:latin typeface="Arial"/>
             </a:endParaRPr>
           </a:p>
@@ -9821,10 +9775,8 @@
             <a:noAutofit/>
           </a:bodyPr>
           <a:p>
-            <a:endParaRPr b="0" lang="en-US" sz="1800" spc="-1" strike="noStrike">
-              <a:solidFill>
-                <a:srgbClr val="000000"/>
-              </a:solidFill>
+            <a:pPr algn="ctr"/>
+            <a:endParaRPr b="0" lang="en-US" sz="4400" spc="-1" strike="noStrike">
               <a:latin typeface="Arial"/>
             </a:endParaRPr>
           </a:p>
@@ -9854,10 +9806,7 @@
             <a:normAutofit/>
           </a:bodyPr>
           <a:p>
-            <a:endParaRPr b="0" lang="en-US" sz="2800" spc="-1" strike="noStrike">
-              <a:solidFill>
-                <a:srgbClr val="000000"/>
-              </a:solidFill>
+            <a:endParaRPr b="0" lang="en-US" sz="3200" spc="-1" strike="noStrike">
               <a:latin typeface="Arial"/>
             </a:endParaRPr>
           </a:p>
@@ -9909,10 +9858,8 @@
             <a:noAutofit/>
           </a:bodyPr>
           <a:p>
-            <a:endParaRPr b="0" lang="en-US" sz="1800" spc="-1" strike="noStrike">
-              <a:solidFill>
-                <a:srgbClr val="000000"/>
-              </a:solidFill>
+            <a:pPr algn="ctr"/>
+            <a:endParaRPr b="0" lang="en-US" sz="4400" spc="-1" strike="noStrike">
               <a:latin typeface="Arial"/>
             </a:endParaRPr>
           </a:p>
@@ -9942,10 +9889,7 @@
             <a:normAutofit/>
           </a:bodyPr>
           <a:p>
-            <a:endParaRPr b="0" lang="en-US" sz="2800" spc="-1" strike="noStrike">
-              <a:solidFill>
-                <a:srgbClr val="000000"/>
-              </a:solidFill>
+            <a:endParaRPr b="0" lang="en-US" sz="3200" spc="-1" strike="noStrike">
               <a:latin typeface="Arial"/>
             </a:endParaRPr>
           </a:p>
@@ -9975,10 +9919,7 @@
             <a:normAutofit/>
           </a:bodyPr>
           <a:p>
-            <a:endParaRPr b="0" lang="en-US" sz="2800" spc="-1" strike="noStrike">
-              <a:solidFill>
-                <a:srgbClr val="000000"/>
-              </a:solidFill>
+            <a:endParaRPr b="0" lang="en-US" sz="3200" spc="-1" strike="noStrike">
               <a:latin typeface="Arial"/>
             </a:endParaRPr>
           </a:p>
@@ -10030,10 +9971,8 @@
             <a:noAutofit/>
           </a:bodyPr>
           <a:p>
-            <a:endParaRPr b="0" lang="en-US" sz="1800" spc="-1" strike="noStrike">
-              <a:solidFill>
-                <a:srgbClr val="000000"/>
-              </a:solidFill>
+            <a:pPr algn="ctr"/>
+            <a:endParaRPr b="0" lang="en-US" sz="4400" spc="-1" strike="noStrike">
               <a:latin typeface="Arial"/>
             </a:endParaRPr>
           </a:p>
@@ -10138,10 +10077,8 @@
             <a:noAutofit/>
           </a:bodyPr>
           <a:p>
-            <a:endParaRPr b="0" lang="en-US" sz="1800" spc="-1" strike="noStrike">
-              <a:solidFill>
-                <a:srgbClr val="000000"/>
-              </a:solidFill>
+            <a:pPr algn="ctr"/>
+            <a:endParaRPr b="0" lang="en-US" sz="4400" spc="-1" strike="noStrike">
               <a:latin typeface="Arial"/>
             </a:endParaRPr>
           </a:p>
@@ -10171,10 +10108,7 @@
             <a:normAutofit/>
           </a:bodyPr>
           <a:p>
-            <a:endParaRPr b="0" lang="en-US" sz="2800" spc="-1" strike="noStrike">
-              <a:solidFill>
-                <a:srgbClr val="000000"/>
-              </a:solidFill>
+            <a:endParaRPr b="0" lang="en-US" sz="3200" spc="-1" strike="noStrike">
               <a:latin typeface="Arial"/>
             </a:endParaRPr>
           </a:p>
@@ -10204,10 +10138,7 @@
             <a:normAutofit/>
           </a:bodyPr>
           <a:p>
-            <a:endParaRPr b="0" lang="en-US" sz="2800" spc="-1" strike="noStrike">
-              <a:solidFill>
-                <a:srgbClr val="000000"/>
-              </a:solidFill>
+            <a:endParaRPr b="0" lang="en-US" sz="3200" spc="-1" strike="noStrike">
               <a:latin typeface="Arial"/>
             </a:endParaRPr>
           </a:p>
@@ -10237,10 +10168,7 @@
             <a:normAutofit/>
           </a:bodyPr>
           <a:p>
-            <a:endParaRPr b="0" lang="en-US" sz="2800" spc="-1" strike="noStrike">
-              <a:solidFill>
-                <a:srgbClr val="000000"/>
-              </a:solidFill>
+            <a:endParaRPr b="0" lang="en-US" sz="3200" spc="-1" strike="noStrike">
               <a:latin typeface="Arial"/>
             </a:endParaRPr>
           </a:p>
@@ -10292,10 +10220,8 @@
             <a:noAutofit/>
           </a:bodyPr>
           <a:p>
-            <a:endParaRPr b="0" lang="en-US" sz="1800" spc="-1" strike="noStrike">
-              <a:solidFill>
-                <a:srgbClr val="000000"/>
-              </a:solidFill>
+            <a:pPr algn="ctr"/>
+            <a:endParaRPr b="0" lang="en-US" sz="4400" spc="-1" strike="noStrike">
               <a:latin typeface="Arial"/>
             </a:endParaRPr>
           </a:p>
@@ -10378,10 +10304,8 @@
             <a:noAutofit/>
           </a:bodyPr>
           <a:p>
-            <a:endParaRPr b="0" lang="en-US" sz="1800" spc="-1" strike="noStrike">
-              <a:solidFill>
-                <a:srgbClr val="000000"/>
-              </a:solidFill>
+            <a:pPr algn="ctr"/>
+            <a:endParaRPr b="0" lang="en-US" sz="4400" spc="-1" strike="noStrike">
               <a:latin typeface="Arial"/>
             </a:endParaRPr>
           </a:p>
@@ -10411,10 +10335,7 @@
             <a:normAutofit/>
           </a:bodyPr>
           <a:p>
-            <a:endParaRPr b="0" lang="en-US" sz="2800" spc="-1" strike="noStrike">
-              <a:solidFill>
-                <a:srgbClr val="000000"/>
-              </a:solidFill>
+            <a:endParaRPr b="0" lang="en-US" sz="3200" spc="-1" strike="noStrike">
               <a:latin typeface="Arial"/>
             </a:endParaRPr>
           </a:p>
@@ -10444,10 +10365,7 @@
             <a:normAutofit/>
           </a:bodyPr>
           <a:p>
-            <a:endParaRPr b="0" lang="en-US" sz="2800" spc="-1" strike="noStrike">
-              <a:solidFill>
-                <a:srgbClr val="000000"/>
-              </a:solidFill>
+            <a:endParaRPr b="0" lang="en-US" sz="3200" spc="-1" strike="noStrike">
               <a:latin typeface="Arial"/>
             </a:endParaRPr>
           </a:p>
@@ -10477,10 +10395,7 @@
             <a:normAutofit/>
           </a:bodyPr>
           <a:p>
-            <a:endParaRPr b="0" lang="en-US" sz="2800" spc="-1" strike="noStrike">
-              <a:solidFill>
-                <a:srgbClr val="000000"/>
-              </a:solidFill>
+            <a:endParaRPr b="0" lang="en-US" sz="3200" spc="-1" strike="noStrike">
               <a:latin typeface="Arial"/>
             </a:endParaRPr>
           </a:p>
@@ -10532,10 +10447,8 @@
             <a:noAutofit/>
           </a:bodyPr>
           <a:p>
-            <a:endParaRPr b="0" lang="en-US" sz="1800" spc="-1" strike="noStrike">
-              <a:solidFill>
-                <a:srgbClr val="000000"/>
-              </a:solidFill>
+            <a:pPr algn="ctr"/>
+            <a:endParaRPr b="0" lang="en-US" sz="4400" spc="-1" strike="noStrike">
               <a:latin typeface="Arial"/>
             </a:endParaRPr>
           </a:p>
@@ -10565,10 +10478,7 @@
             <a:normAutofit/>
           </a:bodyPr>
           <a:p>
-            <a:endParaRPr b="0" lang="en-US" sz="2800" spc="-1" strike="noStrike">
-              <a:solidFill>
-                <a:srgbClr val="000000"/>
-              </a:solidFill>
+            <a:endParaRPr b="0" lang="en-US" sz="3200" spc="-1" strike="noStrike">
               <a:latin typeface="Arial"/>
             </a:endParaRPr>
           </a:p>
@@ -10598,10 +10508,7 @@
             <a:normAutofit/>
           </a:bodyPr>
           <a:p>
-            <a:endParaRPr b="0" lang="en-US" sz="2800" spc="-1" strike="noStrike">
-              <a:solidFill>
-                <a:srgbClr val="000000"/>
-              </a:solidFill>
+            <a:endParaRPr b="0" lang="en-US" sz="3200" spc="-1" strike="noStrike">
               <a:latin typeface="Arial"/>
             </a:endParaRPr>
           </a:p>
@@ -10631,10 +10538,7 @@
             <a:normAutofit/>
           </a:bodyPr>
           <a:p>
-            <a:endParaRPr b="0" lang="en-US" sz="2800" spc="-1" strike="noStrike">
-              <a:solidFill>
-                <a:srgbClr val="000000"/>
-              </a:solidFill>
+            <a:endParaRPr b="0" lang="en-US" sz="3200" spc="-1" strike="noStrike">
               <a:latin typeface="Arial"/>
             </a:endParaRPr>
           </a:p>
@@ -10686,10 +10590,8 @@
             <a:noAutofit/>
           </a:bodyPr>
           <a:p>
-            <a:endParaRPr b="0" lang="en-US" sz="1800" spc="-1" strike="noStrike">
-              <a:solidFill>
-                <a:srgbClr val="000000"/>
-              </a:solidFill>
+            <a:pPr algn="ctr"/>
+            <a:endParaRPr b="0" lang="en-US" sz="4400" spc="-1" strike="noStrike">
               <a:latin typeface="Arial"/>
             </a:endParaRPr>
           </a:p>
@@ -10719,10 +10621,7 @@
             <a:normAutofit/>
           </a:bodyPr>
           <a:p>
-            <a:endParaRPr b="0" lang="en-US" sz="2800" spc="-1" strike="noStrike">
-              <a:solidFill>
-                <a:srgbClr val="000000"/>
-              </a:solidFill>
+            <a:endParaRPr b="0" lang="en-US" sz="3200" spc="-1" strike="noStrike">
               <a:latin typeface="Arial"/>
             </a:endParaRPr>
           </a:p>
@@ -10752,10 +10651,7 @@
             <a:normAutofit/>
           </a:bodyPr>
           <a:p>
-            <a:endParaRPr b="0" lang="en-US" sz="2800" spc="-1" strike="noStrike">
-              <a:solidFill>
-                <a:srgbClr val="000000"/>
-              </a:solidFill>
+            <a:endParaRPr b="0" lang="en-US" sz="3200" spc="-1" strike="noStrike">
               <a:latin typeface="Arial"/>
             </a:endParaRPr>
           </a:p>
@@ -10807,10 +10703,8 @@
             <a:noAutofit/>
           </a:bodyPr>
           <a:p>
-            <a:endParaRPr b="0" lang="en-US" sz="1800" spc="-1" strike="noStrike">
-              <a:solidFill>
-                <a:srgbClr val="000000"/>
-              </a:solidFill>
+            <a:pPr algn="ctr"/>
+            <a:endParaRPr b="0" lang="en-US" sz="4400" spc="-1" strike="noStrike">
               <a:latin typeface="Arial"/>
             </a:endParaRPr>
           </a:p>
@@ -10840,10 +10734,7 @@
             <a:normAutofit/>
           </a:bodyPr>
           <a:p>
-            <a:endParaRPr b="0" lang="en-US" sz="2800" spc="-1" strike="noStrike">
-              <a:solidFill>
-                <a:srgbClr val="000000"/>
-              </a:solidFill>
+            <a:endParaRPr b="0" lang="en-US" sz="3200" spc="-1" strike="noStrike">
               <a:latin typeface="Arial"/>
             </a:endParaRPr>
           </a:p>
@@ -10873,10 +10764,7 @@
             <a:normAutofit/>
           </a:bodyPr>
           <a:p>
-            <a:endParaRPr b="0" lang="en-US" sz="2800" spc="-1" strike="noStrike">
-              <a:solidFill>
-                <a:srgbClr val="000000"/>
-              </a:solidFill>
+            <a:endParaRPr b="0" lang="en-US" sz="3200" spc="-1" strike="noStrike">
               <a:latin typeface="Arial"/>
             </a:endParaRPr>
           </a:p>
@@ -10906,10 +10794,7 @@
             <a:normAutofit/>
           </a:bodyPr>
           <a:p>
-            <a:endParaRPr b="0" lang="en-US" sz="2800" spc="-1" strike="noStrike">
-              <a:solidFill>
-                <a:srgbClr val="000000"/>
-              </a:solidFill>
+            <a:endParaRPr b="0" lang="en-US" sz="3200" spc="-1" strike="noStrike">
               <a:latin typeface="Arial"/>
             </a:endParaRPr>
           </a:p>
@@ -10939,10 +10824,7 @@
             <a:normAutofit/>
           </a:bodyPr>
           <a:p>
-            <a:endParaRPr b="0" lang="en-US" sz="2800" spc="-1" strike="noStrike">
-              <a:solidFill>
-                <a:srgbClr val="000000"/>
-              </a:solidFill>
+            <a:endParaRPr b="0" lang="en-US" sz="3200" spc="-1" strike="noStrike">
               <a:latin typeface="Arial"/>
             </a:endParaRPr>
           </a:p>
@@ -10994,10 +10876,8 @@
             <a:noAutofit/>
           </a:bodyPr>
           <a:p>
-            <a:endParaRPr b="0" lang="en-US" sz="1800" spc="-1" strike="noStrike">
-              <a:solidFill>
-                <a:srgbClr val="000000"/>
-              </a:solidFill>
+            <a:pPr algn="ctr"/>
+            <a:endParaRPr b="0" lang="en-US" sz="4400" spc="-1" strike="noStrike">
               <a:latin typeface="Arial"/>
             </a:endParaRPr>
           </a:p>
@@ -11027,10 +10907,7 @@
             <a:normAutofit/>
           </a:bodyPr>
           <a:p>
-            <a:endParaRPr b="0" lang="en-US" sz="2800" spc="-1" strike="noStrike">
-              <a:solidFill>
-                <a:srgbClr val="000000"/>
-              </a:solidFill>
+            <a:endParaRPr b="0" lang="en-US" sz="3200" spc="-1" strike="noStrike">
               <a:latin typeface="Arial"/>
             </a:endParaRPr>
           </a:p>
@@ -11060,10 +10937,7 @@
             <a:normAutofit/>
           </a:bodyPr>
           <a:p>
-            <a:endParaRPr b="0" lang="en-US" sz="2800" spc="-1" strike="noStrike">
-              <a:solidFill>
-                <a:srgbClr val="000000"/>
-              </a:solidFill>
+            <a:endParaRPr b="0" lang="en-US" sz="3200" spc="-1" strike="noStrike">
               <a:latin typeface="Arial"/>
             </a:endParaRPr>
           </a:p>
@@ -11093,10 +10967,7 @@
             <a:normAutofit/>
           </a:bodyPr>
           <a:p>
-            <a:endParaRPr b="0" lang="en-US" sz="2800" spc="-1" strike="noStrike">
-              <a:solidFill>
-                <a:srgbClr val="000000"/>
-              </a:solidFill>
+            <a:endParaRPr b="0" lang="en-US" sz="3200" spc="-1" strike="noStrike">
               <a:latin typeface="Arial"/>
             </a:endParaRPr>
           </a:p>
@@ -11126,10 +10997,7 @@
             <a:normAutofit/>
           </a:bodyPr>
           <a:p>
-            <a:endParaRPr b="0" lang="en-US" sz="2800" spc="-1" strike="noStrike">
-              <a:solidFill>
-                <a:srgbClr val="000000"/>
-              </a:solidFill>
+            <a:endParaRPr b="0" lang="en-US" sz="3200" spc="-1" strike="noStrike">
               <a:latin typeface="Arial"/>
             </a:endParaRPr>
           </a:p>
@@ -11159,10 +11027,7 @@
             <a:normAutofit/>
           </a:bodyPr>
           <a:p>
-            <a:endParaRPr b="0" lang="en-US" sz="2800" spc="-1" strike="noStrike">
-              <a:solidFill>
-                <a:srgbClr val="000000"/>
-              </a:solidFill>
+            <a:endParaRPr b="0" lang="en-US" sz="3200" spc="-1" strike="noStrike">
               <a:latin typeface="Arial"/>
             </a:endParaRPr>
           </a:p>
@@ -11192,10 +11057,7 @@
             <a:normAutofit/>
           </a:bodyPr>
           <a:p>
-            <a:endParaRPr b="0" lang="en-US" sz="2800" spc="-1" strike="noStrike">
-              <a:solidFill>
-                <a:srgbClr val="000000"/>
-              </a:solidFill>
+            <a:endParaRPr b="0" lang="en-US" sz="3200" spc="-1" strike="noStrike">
               <a:latin typeface="Arial"/>
             </a:endParaRPr>
           </a:p>
@@ -11247,10 +11109,8 @@
             <a:noAutofit/>
           </a:bodyPr>
           <a:p>
-            <a:endParaRPr b="0" lang="en-US" sz="1800" spc="-1" strike="noStrike">
-              <a:solidFill>
-                <a:srgbClr val="000000"/>
-              </a:solidFill>
+            <a:pPr algn="ctr"/>
+            <a:endParaRPr b="0" lang="en-US" sz="4400" spc="-1" strike="noStrike">
               <a:latin typeface="Arial"/>
             </a:endParaRPr>
           </a:p>
@@ -11280,10 +11140,7 @@
             <a:normAutofit/>
           </a:bodyPr>
           <a:p>
-            <a:endParaRPr b="0" lang="en-US" sz="2800" spc="-1" strike="noStrike">
-              <a:solidFill>
-                <a:srgbClr val="000000"/>
-              </a:solidFill>
+            <a:endParaRPr b="0" lang="en-US" sz="3200" spc="-1" strike="noStrike">
               <a:latin typeface="Arial"/>
             </a:endParaRPr>
           </a:p>
@@ -11335,10 +11192,8 @@
             <a:noAutofit/>
           </a:bodyPr>
           <a:p>
-            <a:endParaRPr b="0" lang="en-US" sz="1800" spc="-1" strike="noStrike">
-              <a:solidFill>
-                <a:srgbClr val="000000"/>
-              </a:solidFill>
+            <a:pPr algn="ctr"/>
+            <a:endParaRPr b="0" lang="en-US" sz="4400" spc="-1" strike="noStrike">
               <a:latin typeface="Arial"/>
             </a:endParaRPr>
           </a:p>
@@ -11368,10 +11223,7 @@
             <a:normAutofit/>
           </a:bodyPr>
           <a:p>
-            <a:endParaRPr b="0" lang="en-US" sz="2800" spc="-1" strike="noStrike">
-              <a:solidFill>
-                <a:srgbClr val="000000"/>
-              </a:solidFill>
+            <a:endParaRPr b="0" lang="en-US" sz="3200" spc="-1" strike="noStrike">
               <a:latin typeface="Arial"/>
             </a:endParaRPr>
           </a:p>
@@ -11401,10 +11253,7 @@
             <a:normAutofit/>
           </a:bodyPr>
           <a:p>
-            <a:endParaRPr b="0" lang="en-US" sz="2800" spc="-1" strike="noStrike">
-              <a:solidFill>
-                <a:srgbClr val="000000"/>
-              </a:solidFill>
+            <a:endParaRPr b="0" lang="en-US" sz="3200" spc="-1" strike="noStrike">
               <a:latin typeface="Arial"/>
             </a:endParaRPr>
           </a:p>
@@ -11456,10 +11305,8 @@
             <a:noAutofit/>
           </a:bodyPr>
           <a:p>
-            <a:endParaRPr b="0" lang="en-US" sz="1800" spc="-1" strike="noStrike">
-              <a:solidFill>
-                <a:srgbClr val="000000"/>
-              </a:solidFill>
+            <a:pPr algn="ctr"/>
+            <a:endParaRPr b="0" lang="en-US" sz="4400" spc="-1" strike="noStrike">
               <a:latin typeface="Arial"/>
             </a:endParaRPr>
           </a:p>
@@ -11564,10 +11411,8 @@
             <a:noAutofit/>
           </a:bodyPr>
           <a:p>
-            <a:endParaRPr b="0" lang="en-US" sz="1800" spc="-1" strike="noStrike">
-              <a:solidFill>
-                <a:srgbClr val="000000"/>
-              </a:solidFill>
+            <a:pPr algn="ctr"/>
+            <a:endParaRPr b="0" lang="en-US" sz="4400" spc="-1" strike="noStrike">
               <a:latin typeface="Arial"/>
             </a:endParaRPr>
           </a:p>
@@ -11597,10 +11442,7 @@
             <a:normAutofit/>
           </a:bodyPr>
           <a:p>
-            <a:endParaRPr b="0" lang="en-US" sz="2800" spc="-1" strike="noStrike">
-              <a:solidFill>
-                <a:srgbClr val="000000"/>
-              </a:solidFill>
+            <a:endParaRPr b="0" lang="en-US" sz="3200" spc="-1" strike="noStrike">
               <a:latin typeface="Arial"/>
             </a:endParaRPr>
           </a:p>
@@ -11630,10 +11472,7 @@
             <a:normAutofit/>
           </a:bodyPr>
           <a:p>
-            <a:endParaRPr b="0" lang="en-US" sz="2800" spc="-1" strike="noStrike">
-              <a:solidFill>
-                <a:srgbClr val="000000"/>
-              </a:solidFill>
+            <a:endParaRPr b="0" lang="en-US" sz="3200" spc="-1" strike="noStrike">
               <a:latin typeface="Arial"/>
             </a:endParaRPr>
           </a:p>
@@ -11663,10 +11502,7 @@
             <a:normAutofit/>
           </a:bodyPr>
           <a:p>
-            <a:endParaRPr b="0" lang="en-US" sz="2800" spc="-1" strike="noStrike">
-              <a:solidFill>
-                <a:srgbClr val="000000"/>
-              </a:solidFill>
+            <a:endParaRPr b="0" lang="en-US" sz="3200" spc="-1" strike="noStrike">
               <a:latin typeface="Arial"/>
             </a:endParaRPr>
           </a:p>
@@ -11718,10 +11554,8 @@
             <a:noAutofit/>
           </a:bodyPr>
           <a:p>
-            <a:endParaRPr b="0" lang="en-US" sz="1800" spc="-1" strike="noStrike">
-              <a:solidFill>
-                <a:srgbClr val="000000"/>
-              </a:solidFill>
+            <a:pPr algn="ctr"/>
+            <a:endParaRPr b="0" lang="en-US" sz="4400" spc="-1" strike="noStrike">
               <a:latin typeface="Arial"/>
             </a:endParaRPr>
           </a:p>
@@ -11751,10 +11585,7 @@
             <a:normAutofit/>
           </a:bodyPr>
           <a:p>
-            <a:endParaRPr b="0" lang="en-US" sz="2800" spc="-1" strike="noStrike">
-              <a:solidFill>
-                <a:srgbClr val="000000"/>
-              </a:solidFill>
+            <a:endParaRPr b="0" lang="en-US" sz="3200" spc="-1" strike="noStrike">
               <a:latin typeface="Arial"/>
             </a:endParaRPr>
           </a:p>
@@ -11784,10 +11615,7 @@
             <a:normAutofit/>
           </a:bodyPr>
           <a:p>
-            <a:endParaRPr b="0" lang="en-US" sz="2800" spc="-1" strike="noStrike">
-              <a:solidFill>
-                <a:srgbClr val="000000"/>
-              </a:solidFill>
+            <a:endParaRPr b="0" lang="en-US" sz="3200" spc="-1" strike="noStrike">
               <a:latin typeface="Arial"/>
             </a:endParaRPr>
           </a:p>
@@ -11817,10 +11645,7 @@
             <a:normAutofit/>
           </a:bodyPr>
           <a:p>
-            <a:endParaRPr b="0" lang="en-US" sz="2800" spc="-1" strike="noStrike">
-              <a:solidFill>
-                <a:srgbClr val="000000"/>
-              </a:solidFill>
+            <a:endParaRPr b="0" lang="en-US" sz="3200" spc="-1" strike="noStrike">
               <a:latin typeface="Arial"/>
             </a:endParaRPr>
           </a:p>
@@ -11872,10 +11697,8 @@
             <a:noAutofit/>
           </a:bodyPr>
           <a:p>
-            <a:endParaRPr b="0" lang="en-US" sz="1800" spc="-1" strike="noStrike">
-              <a:solidFill>
-                <a:srgbClr val="000000"/>
-              </a:solidFill>
+            <a:pPr algn="ctr"/>
+            <a:endParaRPr b="0" lang="en-US" sz="4400" spc="-1" strike="noStrike">
               <a:latin typeface="Arial"/>
             </a:endParaRPr>
           </a:p>
@@ -11905,10 +11728,7 @@
             <a:normAutofit/>
           </a:bodyPr>
           <a:p>
-            <a:endParaRPr b="0" lang="en-US" sz="2800" spc="-1" strike="noStrike">
-              <a:solidFill>
-                <a:srgbClr val="000000"/>
-              </a:solidFill>
+            <a:endParaRPr b="0" lang="en-US" sz="3200" spc="-1" strike="noStrike">
               <a:latin typeface="Arial"/>
             </a:endParaRPr>
           </a:p>
@@ -11938,10 +11758,7 @@
             <a:normAutofit/>
           </a:bodyPr>
           <a:p>
-            <a:endParaRPr b="0" lang="en-US" sz="2800" spc="-1" strike="noStrike">
-              <a:solidFill>
-                <a:srgbClr val="000000"/>
-              </a:solidFill>
+            <a:endParaRPr b="0" lang="en-US" sz="3200" spc="-1" strike="noStrike">
               <a:latin typeface="Arial"/>
             </a:endParaRPr>
           </a:p>
@@ -11971,10 +11788,7 @@
             <a:normAutofit/>
           </a:bodyPr>
           <a:p>
-            <a:endParaRPr b="0" lang="en-US" sz="2800" spc="-1" strike="noStrike">
-              <a:solidFill>
-                <a:srgbClr val="000000"/>
-              </a:solidFill>
+            <a:endParaRPr b="0" lang="en-US" sz="3200" spc="-1" strike="noStrike">
               <a:latin typeface="Arial"/>
             </a:endParaRPr>
           </a:p>
@@ -12033,19 +11847,14 @@
             <a:noAutofit/>
           </a:bodyPr>
           <a:p>
+            <a:pPr algn="ctr"/>
             <a:r>
-              <a:rPr b="0" lang="en-US" sz="1800" spc="-1" strike="noStrike">
-                <a:solidFill>
-                  <a:srgbClr val="000000"/>
-                </a:solidFill>
+              <a:rPr b="0" lang="en-US" sz="4400" spc="-1" strike="noStrike">
                 <a:latin typeface="Arial"/>
               </a:rPr>
               <a:t>Click to edit the title text format</a:t>
             </a:r>
-            <a:endParaRPr b="0" lang="en-US" sz="1800" spc="-1" strike="noStrike">
-              <a:solidFill>
-                <a:srgbClr val="000000"/>
-              </a:solidFill>
+            <a:endParaRPr b="0" lang="en-US" sz="4400" spc="-1" strike="noStrike">
               <a:latin typeface="Arial"/>
             </a:endParaRPr>
           </a:p>
@@ -12087,18 +11896,12 @@
               <a:buChar char=""/>
             </a:pPr>
             <a:r>
-              <a:rPr b="0" lang="en-US" sz="2800" spc="-1" strike="noStrike">
-                <a:solidFill>
-                  <a:srgbClr val="000000"/>
-                </a:solidFill>
+              <a:rPr b="0" lang="en-US" sz="3200" spc="-1" strike="noStrike">
                 <a:latin typeface="Arial"/>
               </a:rPr>
               <a:t>Click to edit the outline text format</a:t>
             </a:r>
-            <a:endParaRPr b="0" lang="en-US" sz="2800" spc="-1" strike="noStrike">
-              <a:solidFill>
-                <a:srgbClr val="000000"/>
-              </a:solidFill>
+            <a:endParaRPr b="0" lang="en-US" sz="3200" spc="-1" strike="noStrike">
               <a:latin typeface="Arial"/>
             </a:endParaRPr>
           </a:p>
@@ -12115,18 +11918,12 @@
               <a:buChar char=""/>
             </a:pPr>
             <a:r>
-              <a:rPr b="0" lang="en-US" sz="2000" spc="-1" strike="noStrike">
-                <a:solidFill>
-                  <a:srgbClr val="000000"/>
-                </a:solidFill>
+              <a:rPr b="0" lang="en-US" sz="2800" spc="-1" strike="noStrike">
                 <a:latin typeface="Arial"/>
               </a:rPr>
               <a:t>Second Outline Level</a:t>
             </a:r>
-            <a:endParaRPr b="0" lang="en-US" sz="2000" spc="-1" strike="noStrike">
-              <a:solidFill>
-                <a:srgbClr val="000000"/>
-              </a:solidFill>
+            <a:endParaRPr b="0" lang="en-US" sz="2800" spc="-1" strike="noStrike">
               <a:latin typeface="Arial"/>
             </a:endParaRPr>
           </a:p>
@@ -12143,18 +11940,12 @@
               <a:buChar char=""/>
             </a:pPr>
             <a:r>
-              <a:rPr b="0" lang="en-US" sz="1800" spc="-1" strike="noStrike">
-                <a:solidFill>
-                  <a:srgbClr val="000000"/>
-                </a:solidFill>
+              <a:rPr b="0" lang="en-US" sz="2400" spc="-1" strike="noStrike">
                 <a:latin typeface="Arial"/>
               </a:rPr>
               <a:t>Third Outline Level</a:t>
             </a:r>
-            <a:endParaRPr b="0" lang="en-US" sz="1800" spc="-1" strike="noStrike">
-              <a:solidFill>
-                <a:srgbClr val="000000"/>
-              </a:solidFill>
+            <a:endParaRPr b="0" lang="en-US" sz="2400" spc="-1" strike="noStrike">
               <a:latin typeface="Arial"/>
             </a:endParaRPr>
           </a:p>
@@ -12171,18 +11962,12 @@
               <a:buChar char=""/>
             </a:pPr>
             <a:r>
-              <a:rPr b="0" lang="en-US" sz="1800" spc="-1" strike="noStrike">
-                <a:solidFill>
-                  <a:srgbClr val="000000"/>
-                </a:solidFill>
+              <a:rPr b="0" lang="en-US" sz="2000" spc="-1" strike="noStrike">
                 <a:latin typeface="Arial"/>
               </a:rPr>
               <a:t>Fourth Outline Level</a:t>
             </a:r>
-            <a:endParaRPr b="0" lang="en-US" sz="1800" spc="-1" strike="noStrike">
-              <a:solidFill>
-                <a:srgbClr val="000000"/>
-              </a:solidFill>
+            <a:endParaRPr b="0" lang="en-US" sz="2000" spc="-1" strike="noStrike">
               <a:latin typeface="Arial"/>
             </a:endParaRPr>
           </a:p>
@@ -12200,17 +11985,11 @@
             </a:pPr>
             <a:r>
               <a:rPr b="0" lang="en-US" sz="2000" spc="-1" strike="noStrike">
-                <a:solidFill>
-                  <a:srgbClr val="000000"/>
-                </a:solidFill>
                 <a:latin typeface="Arial"/>
               </a:rPr>
               <a:t>Fifth Outline Level</a:t>
             </a:r>
             <a:endParaRPr b="0" lang="en-US" sz="2000" spc="-1" strike="noStrike">
-              <a:solidFill>
-                <a:srgbClr val="000000"/>
-              </a:solidFill>
               <a:latin typeface="Arial"/>
             </a:endParaRPr>
           </a:p>
@@ -12228,17 +12007,11 @@
             </a:pPr>
             <a:r>
               <a:rPr b="0" lang="en-US" sz="2000" spc="-1" strike="noStrike">
-                <a:solidFill>
-                  <a:srgbClr val="000000"/>
-                </a:solidFill>
                 <a:latin typeface="Arial"/>
               </a:rPr>
               <a:t>Sixth Outline Level</a:t>
             </a:r>
             <a:endParaRPr b="0" lang="en-US" sz="2000" spc="-1" strike="noStrike">
-              <a:solidFill>
-                <a:srgbClr val="000000"/>
-              </a:solidFill>
               <a:latin typeface="Arial"/>
             </a:endParaRPr>
           </a:p>
@@ -12256,17 +12029,11 @@
             </a:pPr>
             <a:r>
               <a:rPr b="0" lang="en-US" sz="2000" spc="-1" strike="noStrike">
-                <a:solidFill>
-                  <a:srgbClr val="000000"/>
-                </a:solidFill>
                 <a:latin typeface="Arial"/>
               </a:rPr>
               <a:t>Seventh Outline Level</a:t>
             </a:r>
             <a:endParaRPr b="0" lang="en-US" sz="2000" spc="-1" strike="noStrike">
-              <a:solidFill>
-                <a:srgbClr val="000000"/>
-              </a:solidFill>
               <a:latin typeface="Arial"/>
             </a:endParaRPr>
           </a:p>
@@ -12340,19 +12107,14 @@
             <a:noAutofit/>
           </a:bodyPr>
           <a:p>
+            <a:pPr algn="ctr"/>
             <a:r>
-              <a:rPr b="0" lang="en-US" sz="1800" spc="-1" strike="noStrike">
-                <a:solidFill>
-                  <a:srgbClr val="000000"/>
-                </a:solidFill>
+              <a:rPr b="0" lang="en-US" sz="4400" spc="-1" strike="noStrike">
                 <a:latin typeface="Arial"/>
               </a:rPr>
               <a:t>Click to edit the title text format</a:t>
             </a:r>
-            <a:endParaRPr b="0" lang="en-US" sz="1800" spc="-1" strike="noStrike">
-              <a:solidFill>
-                <a:srgbClr val="000000"/>
-              </a:solidFill>
+            <a:endParaRPr b="0" lang="en-US" sz="4400" spc="-1" strike="noStrike">
               <a:latin typeface="Arial"/>
             </a:endParaRPr>
           </a:p>
@@ -12394,18 +12156,12 @@
               <a:buChar char=""/>
             </a:pPr>
             <a:r>
-              <a:rPr b="0" lang="en-US" sz="2800" spc="-1" strike="noStrike">
-                <a:solidFill>
-                  <a:srgbClr val="000000"/>
-                </a:solidFill>
+              <a:rPr b="0" lang="en-US" sz="3200" spc="-1" strike="noStrike">
                 <a:latin typeface="Arial"/>
               </a:rPr>
               <a:t>Click to edit the outline text format</a:t>
             </a:r>
-            <a:endParaRPr b="0" lang="en-US" sz="2800" spc="-1" strike="noStrike">
-              <a:solidFill>
-                <a:srgbClr val="000000"/>
-              </a:solidFill>
+            <a:endParaRPr b="0" lang="en-US" sz="3200" spc="-1" strike="noStrike">
               <a:latin typeface="Arial"/>
             </a:endParaRPr>
           </a:p>
@@ -12422,18 +12178,12 @@
               <a:buChar char=""/>
             </a:pPr>
             <a:r>
-              <a:rPr b="0" lang="en-US" sz="2000" spc="-1" strike="noStrike">
-                <a:solidFill>
-                  <a:srgbClr val="000000"/>
-                </a:solidFill>
+              <a:rPr b="0" lang="en-US" sz="2800" spc="-1" strike="noStrike">
                 <a:latin typeface="Arial"/>
               </a:rPr>
               <a:t>Second Outline Level</a:t>
             </a:r>
-            <a:endParaRPr b="0" lang="en-US" sz="2000" spc="-1" strike="noStrike">
-              <a:solidFill>
-                <a:srgbClr val="000000"/>
-              </a:solidFill>
+            <a:endParaRPr b="0" lang="en-US" sz="2800" spc="-1" strike="noStrike">
               <a:latin typeface="Arial"/>
             </a:endParaRPr>
           </a:p>
@@ -12450,18 +12200,12 @@
               <a:buChar char=""/>
             </a:pPr>
             <a:r>
-              <a:rPr b="0" lang="en-US" sz="1800" spc="-1" strike="noStrike">
-                <a:solidFill>
-                  <a:srgbClr val="000000"/>
-                </a:solidFill>
+              <a:rPr b="0" lang="en-US" sz="2400" spc="-1" strike="noStrike">
                 <a:latin typeface="Arial"/>
               </a:rPr>
               <a:t>Third Outline Level</a:t>
             </a:r>
-            <a:endParaRPr b="0" lang="en-US" sz="1800" spc="-1" strike="noStrike">
-              <a:solidFill>
-                <a:srgbClr val="000000"/>
-              </a:solidFill>
+            <a:endParaRPr b="0" lang="en-US" sz="2400" spc="-1" strike="noStrike">
               <a:latin typeface="Arial"/>
             </a:endParaRPr>
           </a:p>
@@ -12478,18 +12222,12 @@
               <a:buChar char=""/>
             </a:pPr>
             <a:r>
-              <a:rPr b="0" lang="en-US" sz="1800" spc="-1" strike="noStrike">
-                <a:solidFill>
-                  <a:srgbClr val="000000"/>
-                </a:solidFill>
+              <a:rPr b="0" lang="en-US" sz="2000" spc="-1" strike="noStrike">
                 <a:latin typeface="Arial"/>
               </a:rPr>
               <a:t>Fourth Outline Level</a:t>
             </a:r>
-            <a:endParaRPr b="0" lang="en-US" sz="1800" spc="-1" strike="noStrike">
-              <a:solidFill>
-                <a:srgbClr val="000000"/>
-              </a:solidFill>
+            <a:endParaRPr b="0" lang="en-US" sz="2000" spc="-1" strike="noStrike">
               <a:latin typeface="Arial"/>
             </a:endParaRPr>
           </a:p>
@@ -12507,17 +12245,11 @@
             </a:pPr>
             <a:r>
               <a:rPr b="0" lang="en-US" sz="2000" spc="-1" strike="noStrike">
-                <a:solidFill>
-                  <a:srgbClr val="000000"/>
-                </a:solidFill>
                 <a:latin typeface="Arial"/>
               </a:rPr>
               <a:t>Fifth Outline Level</a:t>
             </a:r>
             <a:endParaRPr b="0" lang="en-US" sz="2000" spc="-1" strike="noStrike">
-              <a:solidFill>
-                <a:srgbClr val="000000"/>
-              </a:solidFill>
               <a:latin typeface="Arial"/>
             </a:endParaRPr>
           </a:p>
@@ -12535,17 +12267,11 @@
             </a:pPr>
             <a:r>
               <a:rPr b="0" lang="en-US" sz="2000" spc="-1" strike="noStrike">
-                <a:solidFill>
-                  <a:srgbClr val="000000"/>
-                </a:solidFill>
                 <a:latin typeface="Arial"/>
               </a:rPr>
               <a:t>Sixth Outline Level</a:t>
             </a:r>
             <a:endParaRPr b="0" lang="en-US" sz="2000" spc="-1" strike="noStrike">
-              <a:solidFill>
-                <a:srgbClr val="000000"/>
-              </a:solidFill>
               <a:latin typeface="Arial"/>
             </a:endParaRPr>
           </a:p>
@@ -12563,17 +12289,11 @@
             </a:pPr>
             <a:r>
               <a:rPr b="0" lang="en-US" sz="2000" spc="-1" strike="noStrike">
-                <a:solidFill>
-                  <a:srgbClr val="000000"/>
-                </a:solidFill>
                 <a:latin typeface="Arial"/>
               </a:rPr>
               <a:t>Seventh Outline Level</a:t>
             </a:r>
             <a:endParaRPr b="0" lang="en-US" sz="2000" spc="-1" strike="noStrike">
-              <a:solidFill>
-                <a:srgbClr val="000000"/>
-              </a:solidFill>
               <a:latin typeface="Arial"/>
             </a:endParaRPr>
           </a:p>
@@ -12632,7 +12352,7 @@
         <p:spPr>
           <a:xfrm>
             <a:off x="838080" y="1120680"/>
-            <a:ext cx="9768960" cy="2306880"/>
+            <a:ext cx="9768600" cy="2306520"/>
           </a:xfrm>
           <a:prstGeom prst="rect">
             <a:avLst/>
@@ -12683,7 +12403,7 @@
         <p:spPr>
           <a:xfrm>
             <a:off x="835200" y="3809880"/>
-            <a:ext cx="7024320" cy="1011240"/>
+            <a:ext cx="7023960" cy="1010880"/>
           </a:xfrm>
           <a:prstGeom prst="rect">
             <a:avLst/>
@@ -12902,7 +12622,7 @@
         <p:spPr>
           <a:xfrm>
             <a:off x="838080" y="365040"/>
-            <a:ext cx="10514160" cy="1324080"/>
+            <a:ext cx="10513800" cy="1323720"/>
           </a:xfrm>
           <a:prstGeom prst="rect">
             <a:avLst/>
@@ -12953,7 +12673,7 @@
         <p:spPr>
           <a:xfrm>
             <a:off x="838080" y="1825560"/>
-            <a:ext cx="10514160" cy="4349880"/>
+            <a:ext cx="10513800" cy="4349520"/>
           </a:xfrm>
           <a:prstGeom prst="rect">
             <a:avLst/>
@@ -12984,7 +12704,7 @@
             </a:endParaRPr>
           </a:p>
           <a:p>
-            <a:pPr marL="228600" indent="-227160">
+            <a:pPr marL="228600" indent="-226800">
               <a:lnSpc>
                 <a:spcPct val="90000"/>
               </a:lnSpc>
@@ -13012,7 +12732,7 @@
             </a:endParaRPr>
           </a:p>
           <a:p>
-            <a:pPr marL="228600" indent="-227160">
+            <a:pPr marL="228600" indent="-226800">
               <a:lnSpc>
                 <a:spcPct val="90000"/>
               </a:lnSpc>
@@ -13054,7 +12774,7 @@
         <p:spPr>
           <a:xfrm>
             <a:off x="3243600" y="4265640"/>
-            <a:ext cx="5703480" cy="1171800"/>
+            <a:ext cx="5703120" cy="1171440"/>
           </a:xfrm>
           <a:prstGeom prst="rect">
             <a:avLst/>
@@ -13103,7 +12823,7 @@
         <p:spPr>
           <a:xfrm>
             <a:off x="838080" y="365040"/>
-            <a:ext cx="10514160" cy="1324080"/>
+            <a:ext cx="10513800" cy="1323720"/>
           </a:xfrm>
           <a:prstGeom prst="rect">
             <a:avLst/>
@@ -13154,7 +12874,7 @@
         <p:spPr>
           <a:xfrm>
             <a:off x="838080" y="1825560"/>
-            <a:ext cx="10514160" cy="4349880"/>
+            <a:ext cx="10513800" cy="4349520"/>
           </a:xfrm>
           <a:prstGeom prst="rect">
             <a:avLst/>
@@ -13185,7 +12905,7 @@
             </a:endParaRPr>
           </a:p>
           <a:p>
-            <a:pPr marL="228600" indent="-227160">
+            <a:pPr marL="228600" indent="-226800">
               <a:lnSpc>
                 <a:spcPct val="90000"/>
               </a:lnSpc>
@@ -13223,7 +12943,7 @@
             </a:endParaRPr>
           </a:p>
           <a:p>
-            <a:pPr marL="228600" indent="-227160">
+            <a:pPr marL="228600" indent="-226800">
               <a:lnSpc>
                 <a:spcPct val="90000"/>
               </a:lnSpc>
@@ -13265,7 +12985,7 @@
         <p:spPr>
           <a:xfrm>
             <a:off x="4850640" y="3997080"/>
-            <a:ext cx="2905920" cy="1292400"/>
+            <a:ext cx="2905560" cy="1292040"/>
           </a:xfrm>
           <a:prstGeom prst="rect">
             <a:avLst/>
@@ -13325,7 +13045,7 @@
         <p:spPr>
           <a:xfrm>
             <a:off x="429840" y="2459880"/>
-            <a:ext cx="11158560" cy="1528920"/>
+            <a:ext cx="11158200" cy="1528560"/>
           </a:xfrm>
           <a:prstGeom prst="rect">
             <a:avLst/>
@@ -13381,7 +13101,7 @@
         <p:spPr>
           <a:xfrm>
             <a:off x="838080" y="291240"/>
-            <a:ext cx="10514160" cy="931320"/>
+            <a:ext cx="10513800" cy="930960"/>
           </a:xfrm>
           <a:prstGeom prst="rect">
             <a:avLst/>
@@ -14097,7 +13817,7 @@
         <p:spPr>
           <a:xfrm>
             <a:off x="838080" y="365040"/>
-            <a:ext cx="10514160" cy="1324080"/>
+            <a:ext cx="10513800" cy="1323720"/>
           </a:xfrm>
           <a:prstGeom prst="rect">
             <a:avLst/>
@@ -14148,7 +13868,7 @@
         <p:spPr>
           <a:xfrm>
             <a:off x="838080" y="1825560"/>
-            <a:ext cx="10514160" cy="4349880"/>
+            <a:ext cx="10513800" cy="4349520"/>
           </a:xfrm>
           <a:prstGeom prst="rect">
             <a:avLst/>
@@ -14169,7 +13889,7 @@
             <a:normAutofit/>
           </a:bodyPr>
           <a:p>
-            <a:pPr marL="228600" indent="-227160">
+            <a:pPr marL="228600" indent="-226800">
               <a:lnSpc>
                 <a:spcPct val="90000"/>
               </a:lnSpc>
@@ -14197,7 +13917,7 @@
             </a:endParaRPr>
           </a:p>
           <a:p>
-            <a:pPr marL="228600" indent="-227160">
+            <a:pPr marL="228600" indent="-226800">
               <a:lnSpc>
                 <a:spcPct val="90000"/>
               </a:lnSpc>
@@ -14225,7 +13945,7 @@
             </a:endParaRPr>
           </a:p>
           <a:p>
-            <a:pPr lvl="1" marL="864000" indent="-322920">
+            <a:pPr lvl="1" marL="864000" indent="-322560">
               <a:lnSpc>
                 <a:spcPct val="100000"/>
               </a:lnSpc>
@@ -14254,7 +13974,7 @@
             </a:endParaRPr>
           </a:p>
           <a:p>
-            <a:pPr lvl="1" marL="685800" indent="-227160">
+            <a:pPr lvl="1" marL="685800" indent="-226800">
               <a:lnSpc>
                 <a:spcPct val="90000"/>
               </a:lnSpc>
@@ -14282,7 +14002,7 @@
             </a:endParaRPr>
           </a:p>
           <a:p>
-            <a:pPr lvl="1" marL="685800" indent="-227160">
+            <a:pPr lvl="1" marL="685800" indent="-226800">
               <a:lnSpc>
                 <a:spcPct val="90000"/>
               </a:lnSpc>
@@ -14310,7 +14030,7 @@
             </a:endParaRPr>
           </a:p>
           <a:p>
-            <a:pPr marL="228600" indent="-227160">
+            <a:pPr marL="228600" indent="-226800">
               <a:lnSpc>
                 <a:spcPct val="90000"/>
               </a:lnSpc>
@@ -14338,7 +14058,7 @@
             </a:endParaRPr>
           </a:p>
           <a:p>
-            <a:pPr lvl="1" marL="685800" indent="-227160">
+            <a:pPr lvl="1" marL="685800" indent="-226800">
               <a:lnSpc>
                 <a:spcPct val="90000"/>
               </a:lnSpc>
@@ -14376,7 +14096,7 @@
             </a:endParaRPr>
           </a:p>
           <a:p>
-            <a:pPr lvl="1" marL="685800" indent="-227160">
+            <a:pPr lvl="1" marL="685800" indent="-226800">
               <a:lnSpc>
                 <a:spcPct val="90000"/>
               </a:lnSpc>
@@ -14414,7 +14134,7 @@
             </a:endParaRPr>
           </a:p>
           <a:p>
-            <a:pPr lvl="1" marL="685800" indent="-227160">
+            <a:pPr lvl="1" marL="685800" indent="-226800">
               <a:lnSpc>
                 <a:spcPct val="90000"/>
               </a:lnSpc>
@@ -14492,7 +14212,7 @@
         <p:spPr>
           <a:xfrm>
             <a:off x="838080" y="365040"/>
-            <a:ext cx="10514160" cy="1324080"/>
+            <a:ext cx="10513800" cy="1323720"/>
           </a:xfrm>
           <a:prstGeom prst="rect">
             <a:avLst/>
@@ -14543,7 +14263,7 @@
         <p:spPr>
           <a:xfrm>
             <a:off x="838080" y="1825560"/>
-            <a:ext cx="10514160" cy="4349880"/>
+            <a:ext cx="10513800" cy="4349520"/>
           </a:xfrm>
           <a:prstGeom prst="rect">
             <a:avLst/>
@@ -14564,7 +14284,7 @@
             <a:normAutofit/>
           </a:bodyPr>
           <a:p>
-            <a:pPr marL="228600" indent="-227160">
+            <a:pPr marL="228600" indent="-226800">
               <a:lnSpc>
                 <a:spcPct val="90000"/>
               </a:lnSpc>
@@ -14592,7 +14312,7 @@
             </a:endParaRPr>
           </a:p>
           <a:p>
-            <a:pPr marL="228600" indent="-227160">
+            <a:pPr marL="228600" indent="-226800">
               <a:lnSpc>
                 <a:spcPct val="90000"/>
               </a:lnSpc>
@@ -14620,7 +14340,7 @@
             </a:endParaRPr>
           </a:p>
           <a:p>
-            <a:pPr lvl="1" marL="864000" indent="-322920">
+            <a:pPr lvl="1" marL="864000" indent="-322560">
               <a:lnSpc>
                 <a:spcPct val="100000"/>
               </a:lnSpc>
@@ -14649,7 +14369,7 @@
             </a:endParaRPr>
           </a:p>
           <a:p>
-            <a:pPr lvl="1" marL="685800" indent="-227160">
+            <a:pPr lvl="1" marL="685800" indent="-226800">
               <a:lnSpc>
                 <a:spcPct val="90000"/>
               </a:lnSpc>
@@ -14677,7 +14397,7 @@
             </a:endParaRPr>
           </a:p>
           <a:p>
-            <a:pPr lvl="1" marL="685800" indent="-227160">
+            <a:pPr lvl="1" marL="685800" indent="-226800">
               <a:lnSpc>
                 <a:spcPct val="90000"/>
               </a:lnSpc>
@@ -14705,7 +14425,7 @@
             </a:endParaRPr>
           </a:p>
           <a:p>
-            <a:pPr marL="228600" indent="-227160">
+            <a:pPr marL="228600" indent="-226800">
               <a:lnSpc>
                 <a:spcPct val="90000"/>
               </a:lnSpc>
@@ -14733,7 +14453,7 @@
             </a:endParaRPr>
           </a:p>
           <a:p>
-            <a:pPr lvl="1" marL="685800" indent="-227160">
+            <a:pPr lvl="1" marL="685800" indent="-226800">
               <a:lnSpc>
                 <a:spcPct val="90000"/>
               </a:lnSpc>
@@ -14771,7 +14491,7 @@
             </a:endParaRPr>
           </a:p>
           <a:p>
-            <a:pPr lvl="1" marL="685800" indent="-227160">
+            <a:pPr lvl="1" marL="685800" indent="-226800">
               <a:lnSpc>
                 <a:spcPct val="90000"/>
               </a:lnSpc>
@@ -14809,7 +14529,7 @@
             </a:endParaRPr>
           </a:p>
           <a:p>
-            <a:pPr lvl="1" marL="685800" indent="-227160">
+            <a:pPr lvl="1" marL="685800" indent="-226800">
               <a:lnSpc>
                 <a:spcPct val="90000"/>
               </a:lnSpc>
@@ -14900,7 +14620,7 @@
         <p:spPr>
           <a:xfrm>
             <a:off x="838080" y="365040"/>
-            <a:ext cx="10514160" cy="1324080"/>
+            <a:ext cx="10513800" cy="1323720"/>
           </a:xfrm>
           <a:prstGeom prst="rect">
             <a:avLst/>
@@ -14951,7 +14671,7 @@
         <p:spPr>
           <a:xfrm>
             <a:off x="838080" y="1825560"/>
-            <a:ext cx="10514160" cy="4349880"/>
+            <a:ext cx="10513800" cy="4349520"/>
           </a:xfrm>
           <a:prstGeom prst="rect">
             <a:avLst/>
@@ -14972,7 +14692,7 @@
             <a:normAutofit/>
           </a:bodyPr>
           <a:p>
-            <a:pPr marL="228600" indent="-227160">
+            <a:pPr marL="228600" indent="-226800">
               <a:lnSpc>
                 <a:spcPct val="90000"/>
               </a:lnSpc>
@@ -15000,7 +14720,7 @@
             </a:endParaRPr>
           </a:p>
           <a:p>
-            <a:pPr marL="228600" indent="-227160">
+            <a:pPr marL="228600" indent="-226800">
               <a:lnSpc>
                 <a:spcPct val="90000"/>
               </a:lnSpc>
@@ -15028,7 +14748,7 @@
             </a:endParaRPr>
           </a:p>
           <a:p>
-            <a:pPr marL="228600" indent="-227160">
+            <a:pPr marL="228600" indent="-226800">
               <a:lnSpc>
                 <a:spcPct val="90000"/>
               </a:lnSpc>
@@ -15056,7 +14776,7 @@
             </a:endParaRPr>
           </a:p>
           <a:p>
-            <a:pPr marL="228600" indent="-227160">
+            <a:pPr marL="228600" indent="-226800">
               <a:lnSpc>
                 <a:spcPct val="90000"/>
               </a:lnSpc>
@@ -15131,7 +14851,7 @@
         <p:spPr>
           <a:xfrm>
             <a:off x="0" y="0"/>
-            <a:ext cx="12190680" cy="6856560"/>
+            <a:ext cx="12190320" cy="6856200"/>
           </a:xfrm>
           <a:prstGeom prst="rect">
             <a:avLst/>
@@ -15167,7 +14887,7 @@
         <p:spPr>
           <a:xfrm>
             <a:off x="0" y="0"/>
-            <a:ext cx="12190680" cy="6856560"/>
+            <a:ext cx="12190320" cy="6856200"/>
           </a:xfrm>
           <a:prstGeom prst="rect">
             <a:avLst/>
@@ -15211,7 +14931,7 @@
         <p:spPr>
           <a:xfrm>
             <a:off x="1256400" y="3655440"/>
-            <a:ext cx="9677880" cy="1461600"/>
+            <a:ext cx="9677520" cy="1461240"/>
           </a:xfrm>
           <a:prstGeom prst="rect">
             <a:avLst/>
@@ -15266,7 +14986,7 @@
         <p:spPr>
           <a:xfrm>
             <a:off x="540000" y="1430640"/>
-            <a:ext cx="11110680" cy="1387440"/>
+            <a:ext cx="11110320" cy="1387080"/>
           </a:xfrm>
           <a:prstGeom prst="rect">
             <a:avLst/>
@@ -15315,7 +15035,7 @@
         <p:spPr>
           <a:xfrm>
             <a:off x="838080" y="365040"/>
-            <a:ext cx="10514160" cy="6126120"/>
+            <a:ext cx="10513800" cy="6125760"/>
           </a:xfrm>
           <a:prstGeom prst="rect">
             <a:avLst/>
@@ -15399,7 +15119,7 @@
         <p:spPr>
           <a:xfrm>
             <a:off x="838080" y="365040"/>
-            <a:ext cx="10514160" cy="1324080"/>
+            <a:ext cx="10513800" cy="1323720"/>
           </a:xfrm>
           <a:prstGeom prst="rect">
             <a:avLst/>
@@ -15450,7 +15170,7 @@
         <p:spPr>
           <a:xfrm>
             <a:off x="838080" y="1825560"/>
-            <a:ext cx="10514160" cy="4349880"/>
+            <a:ext cx="10513800" cy="4349520"/>
           </a:xfrm>
           <a:prstGeom prst="rect">
             <a:avLst/>
@@ -15471,7 +15191,7 @@
             <a:normAutofit fontScale="88000"/>
           </a:bodyPr>
           <a:p>
-            <a:pPr marL="228600" indent="-227160">
+            <a:pPr marL="228600" indent="-226800">
               <a:lnSpc>
                 <a:spcPct val="90000"/>
               </a:lnSpc>
@@ -15499,7 +15219,7 @@
             </a:endParaRPr>
           </a:p>
           <a:p>
-            <a:pPr marL="228600" indent="-227160">
+            <a:pPr marL="228600" indent="-226800">
               <a:lnSpc>
                 <a:spcPct val="90000"/>
               </a:lnSpc>
@@ -15527,7 +15247,7 @@
             </a:endParaRPr>
           </a:p>
           <a:p>
-            <a:pPr lvl="1" marL="864000" indent="-322920">
+            <a:pPr lvl="1" marL="864000" indent="-322560">
               <a:lnSpc>
                 <a:spcPct val="100000"/>
               </a:lnSpc>
@@ -15556,7 +15276,7 @@
             </a:endParaRPr>
           </a:p>
           <a:p>
-            <a:pPr lvl="1" marL="685800" indent="-227160">
+            <a:pPr lvl="1" marL="685800" indent="-226800">
               <a:lnSpc>
                 <a:spcPct val="90000"/>
               </a:lnSpc>
@@ -15584,7 +15304,7 @@
             </a:endParaRPr>
           </a:p>
           <a:p>
-            <a:pPr lvl="1" marL="685800" indent="-227160">
+            <a:pPr lvl="1" marL="685800" indent="-226800">
               <a:lnSpc>
                 <a:spcPct val="90000"/>
               </a:lnSpc>
@@ -15612,7 +15332,7 @@
             </a:endParaRPr>
           </a:p>
           <a:p>
-            <a:pPr lvl="1" marL="685800" indent="-227160">
+            <a:pPr lvl="1" marL="685800" indent="-226800">
               <a:lnSpc>
                 <a:spcPct val="90000"/>
               </a:lnSpc>
@@ -15633,14 +15353,14 @@
                 <a:latin typeface="Calibri"/>
                 <a:ea typeface="DejaVu Sans"/>
               </a:rPr>
-              <a:t>2 for high (BP &gt;= 80)</a:t>
+              <a:t>2 for high (BP &gt;= 85)</a:t>
             </a:r>
             <a:endParaRPr b="0" lang="en-US" sz="2400" spc="-1" strike="noStrike">
               <a:latin typeface="Arial"/>
             </a:endParaRPr>
           </a:p>
           <a:p>
-            <a:pPr marL="228600" indent="-227160">
+            <a:pPr marL="228600" indent="-226800">
               <a:lnSpc>
                 <a:spcPct val="90000"/>
               </a:lnSpc>
@@ -15668,7 +15388,7 @@
             </a:endParaRPr>
           </a:p>
           <a:p>
-            <a:pPr lvl="1" marL="685800" indent="-227160">
+            <a:pPr lvl="1" marL="685800" indent="-226800">
               <a:lnSpc>
                 <a:spcPct val="90000"/>
               </a:lnSpc>
@@ -15706,7 +15426,7 @@
             </a:endParaRPr>
           </a:p>
           <a:p>
-            <a:pPr lvl="1" marL="685800" indent="-227160">
+            <a:pPr lvl="1" marL="685800" indent="-226800">
               <a:lnSpc>
                 <a:spcPct val="90000"/>
               </a:lnSpc>
@@ -15744,7 +15464,7 @@
             </a:endParaRPr>
           </a:p>
           <a:p>
-            <a:pPr lvl="1" marL="685800" indent="-227160">
+            <a:pPr lvl="1" marL="685800" indent="-226800">
               <a:lnSpc>
                 <a:spcPct val="90000"/>
               </a:lnSpc>
@@ -15782,7 +15502,7 @@
             </a:endParaRPr>
           </a:p>
           <a:p>
-            <a:pPr lvl="1" marL="685800" indent="-227160">
+            <a:pPr lvl="1" marL="685800" indent="-226800">
               <a:lnSpc>
                 <a:spcPct val="90000"/>
               </a:lnSpc>
@@ -15867,7 +15587,7 @@
         <p:spPr>
           <a:xfrm>
             <a:off x="838080" y="365040"/>
-            <a:ext cx="10514160" cy="1324080"/>
+            <a:ext cx="10513800" cy="1323720"/>
           </a:xfrm>
           <a:prstGeom prst="rect">
             <a:avLst/>
@@ -15916,14 +15636,14 @@
           <p:nvPr>
             <p:extLst>
               <p:ext uri="{D42A27DB-BD31-4B8C-83A1-F6EECF244321}">
-                <p14:modId xmlns:p14="http://schemas.microsoft.com/office/powerpoint/2010/main" val="1540003639"/>
+                <p14:modId xmlns:p14="http://schemas.microsoft.com/office/powerpoint/2010/main" val="1901940461"/>
               </p:ext>
             </p:extLst>
           </p:nvPr>
         </p:nvGraphicFramePr>
         <p:xfrm>
           <a:off x="838080" y="1825560"/>
-          <a:ext cx="10514160" cy="4349880"/>
+          <a:ext cx="10513800" cy="4349520"/>
         </p:xfrm>
         <a:graphic>
           <a:graphicData uri="http://schemas.openxmlformats.org/drawingml/2006/diagram">
@@ -15970,7 +15690,7 @@
         <p:spPr>
           <a:xfrm>
             <a:off x="838080" y="365040"/>
-            <a:ext cx="10514160" cy="1324080"/>
+            <a:ext cx="10513800" cy="1323720"/>
           </a:xfrm>
           <a:prstGeom prst="rect">
             <a:avLst/>
@@ -16021,7 +15741,7 @@
         <p:spPr>
           <a:xfrm>
             <a:off x="838080" y="1825560"/>
-            <a:ext cx="10514160" cy="4349880"/>
+            <a:ext cx="10513800" cy="4349520"/>
           </a:xfrm>
           <a:prstGeom prst="rect">
             <a:avLst/>
@@ -16042,7 +15762,7 @@
             <a:normAutofit fontScale="82000"/>
           </a:bodyPr>
           <a:p>
-            <a:pPr marL="228600" indent="-227160">
+            <a:pPr marL="228600" indent="-226800">
               <a:lnSpc>
                 <a:spcPct val="90000"/>
               </a:lnSpc>
@@ -16070,7 +15790,7 @@
             </a:endParaRPr>
           </a:p>
           <a:p>
-            <a:pPr marL="228600" indent="-227160">
+            <a:pPr marL="228600" indent="-226800">
               <a:lnSpc>
                 <a:spcPct val="90000"/>
               </a:lnSpc>
@@ -16098,7 +15818,7 @@
             </a:endParaRPr>
           </a:p>
           <a:p>
-            <a:pPr lvl="1" marL="864000" indent="-322920">
+            <a:pPr lvl="1" marL="864000" indent="-322560">
               <a:lnSpc>
                 <a:spcPct val="100000"/>
               </a:lnSpc>
@@ -16127,7 +15847,7 @@
             </a:endParaRPr>
           </a:p>
           <a:p>
-            <a:pPr lvl="1" marL="685800" indent="-227160">
+            <a:pPr lvl="1" marL="685800" indent="-226800">
               <a:lnSpc>
                 <a:spcPct val="90000"/>
               </a:lnSpc>
@@ -16155,7 +15875,7 @@
             </a:endParaRPr>
           </a:p>
           <a:p>
-            <a:pPr lvl="1" marL="685800" indent="-227160">
+            <a:pPr lvl="1" marL="685800" indent="-226800">
               <a:lnSpc>
                 <a:spcPct val="90000"/>
               </a:lnSpc>
@@ -16183,7 +15903,7 @@
             </a:endParaRPr>
           </a:p>
           <a:p>
-            <a:pPr lvl="1" marL="685800" indent="-227160">
+            <a:pPr lvl="1" marL="685800" indent="-226800">
               <a:lnSpc>
                 <a:spcPct val="90000"/>
               </a:lnSpc>
@@ -16211,7 +15931,7 @@
             </a:endParaRPr>
           </a:p>
           <a:p>
-            <a:pPr marL="228600" indent="-227160">
+            <a:pPr marL="228600" indent="-226800">
               <a:lnSpc>
                 <a:spcPct val="90000"/>
               </a:lnSpc>
@@ -16239,7 +15959,7 @@
             </a:endParaRPr>
           </a:p>
           <a:p>
-            <a:pPr lvl="1" marL="685800" indent="-227160">
+            <a:pPr lvl="1" marL="685800" indent="-226800">
               <a:lnSpc>
                 <a:spcPct val="90000"/>
               </a:lnSpc>
@@ -16277,7 +15997,7 @@
             </a:endParaRPr>
           </a:p>
           <a:p>
-            <a:pPr lvl="1" marL="685800" indent="-227160">
+            <a:pPr lvl="1" marL="685800" indent="-226800">
               <a:lnSpc>
                 <a:spcPct val="90000"/>
               </a:lnSpc>
@@ -16315,7 +16035,7 @@
             </a:endParaRPr>
           </a:p>
           <a:p>
-            <a:pPr lvl="1" marL="685800" indent="-227160">
+            <a:pPr lvl="1" marL="685800" indent="-226800">
               <a:lnSpc>
                 <a:spcPct val="90000"/>
               </a:lnSpc>
@@ -16363,7 +16083,7 @@
             </a:endParaRPr>
           </a:p>
           <a:p>
-            <a:pPr lvl="1" marL="685800" indent="-227160">
+            <a:pPr lvl="1" marL="685800" indent="-226800">
               <a:lnSpc>
                 <a:spcPct val="90000"/>
               </a:lnSpc>
@@ -16461,7 +16181,7 @@
         <p:spPr>
           <a:xfrm>
             <a:off x="0" y="0"/>
-            <a:ext cx="12190680" cy="6856560"/>
+            <a:ext cx="12190320" cy="6856200"/>
           </a:xfrm>
           <a:prstGeom prst="rect">
             <a:avLst/>
@@ -16497,7 +16217,7 @@
         <p:spPr>
           <a:xfrm>
             <a:off x="0" y="0"/>
-            <a:ext cx="12190680" cy="6856560"/>
+            <a:ext cx="12190320" cy="6856200"/>
           </a:xfrm>
           <a:prstGeom prst="rect">
             <a:avLst/>
@@ -16541,7 +16261,7 @@
         <p:spPr>
           <a:xfrm>
             <a:off x="1256400" y="3655440"/>
-            <a:ext cx="9677880" cy="1461600"/>
+            <a:ext cx="9677520" cy="1461240"/>
           </a:xfrm>
           <a:prstGeom prst="rect">
             <a:avLst/>
@@ -16596,7 +16316,7 @@
         <p:spPr>
           <a:xfrm>
             <a:off x="182880" y="1310040"/>
-            <a:ext cx="11794680" cy="1614960"/>
+            <a:ext cx="11794320" cy="1614600"/>
           </a:xfrm>
           <a:prstGeom prst="rect">
             <a:avLst/>
@@ -16615,7 +16335,7 @@
         <p:spPr>
           <a:xfrm>
             <a:off x="274320" y="822960"/>
-            <a:ext cx="10514160" cy="459360"/>
+            <a:ext cx="10513800" cy="459000"/>
           </a:xfrm>
           <a:prstGeom prst="rect">
             <a:avLst/>
@@ -16636,7 +16356,7 @@
             <a:normAutofit fontScale="97000"/>
           </a:bodyPr>
           <a:p>
-            <a:pPr marL="228600" indent="-227160">
+            <a:pPr marL="228600" indent="-226800">
               <a:lnSpc>
                 <a:spcPct val="90000"/>
               </a:lnSpc>
@@ -16704,7 +16424,7 @@
         <p:spPr>
           <a:xfrm>
             <a:off x="838080" y="365040"/>
-            <a:ext cx="10514160" cy="6126120"/>
+            <a:ext cx="10513800" cy="6125760"/>
           </a:xfrm>
           <a:prstGeom prst="rect">
             <a:avLst/>
@@ -16799,7 +16519,7 @@
         <p:spPr>
           <a:xfrm>
             <a:off x="838080" y="365040"/>
-            <a:ext cx="10514160" cy="1324080"/>
+            <a:ext cx="10513800" cy="1323720"/>
           </a:xfrm>
           <a:prstGeom prst="rect">
             <a:avLst/>
@@ -16850,7 +16570,7 @@
         <p:spPr>
           <a:xfrm>
             <a:off x="838080" y="1825560"/>
-            <a:ext cx="10514160" cy="4349880"/>
+            <a:ext cx="10513800" cy="4349520"/>
           </a:xfrm>
           <a:prstGeom prst="rect">
             <a:avLst/>
@@ -16871,7 +16591,7 @@
             <a:normAutofit/>
           </a:bodyPr>
           <a:p>
-            <a:pPr marL="228600" indent="-227160">
+            <a:pPr marL="228600" indent="-226800">
               <a:lnSpc>
                 <a:spcPct val="90000"/>
               </a:lnSpc>
@@ -16899,7 +16619,7 @@
             </a:endParaRPr>
           </a:p>
           <a:p>
-            <a:pPr lvl="1" marL="864000" indent="-322920">
+            <a:pPr lvl="1" marL="864000" indent="-322560">
               <a:lnSpc>
                 <a:spcPct val="100000"/>
               </a:lnSpc>
@@ -16928,7 +16648,7 @@
             </a:endParaRPr>
           </a:p>
           <a:p>
-            <a:pPr marL="228600" indent="-227160">
+            <a:pPr marL="228600" indent="-226800">
               <a:lnSpc>
                 <a:spcPct val="90000"/>
               </a:lnSpc>
@@ -16956,7 +16676,7 @@
             </a:endParaRPr>
           </a:p>
           <a:p>
-            <a:pPr lvl="1" marL="864000" indent="-322920">
+            <a:pPr lvl="1" marL="864000" indent="-322560">
               <a:lnSpc>
                 <a:spcPct val="100000"/>
               </a:lnSpc>
@@ -16985,7 +16705,7 @@
             </a:endParaRPr>
           </a:p>
           <a:p>
-            <a:pPr marL="228600" indent="-227160">
+            <a:pPr marL="228600" indent="-226800">
               <a:lnSpc>
                 <a:spcPct val="100000"/>
               </a:lnSpc>
@@ -17013,7 +16733,7 @@
             </a:endParaRPr>
           </a:p>
           <a:p>
-            <a:pPr lvl="1" marL="864000" indent="-322920">
+            <a:pPr lvl="1" marL="864000" indent="-322560">
               <a:lnSpc>
                 <a:spcPct val="100000"/>
               </a:lnSpc>
@@ -17082,7 +16802,7 @@
         <p:spPr>
           <a:xfrm>
             <a:off x="838080" y="365040"/>
-            <a:ext cx="10514160" cy="1324080"/>
+            <a:ext cx="10513800" cy="1323720"/>
           </a:xfrm>
           <a:prstGeom prst="rect">
             <a:avLst/>
@@ -17133,7 +16853,7 @@
         <p:spPr>
           <a:xfrm>
             <a:off x="838080" y="1825560"/>
-            <a:ext cx="10514160" cy="4349880"/>
+            <a:ext cx="10513800" cy="4349520"/>
           </a:xfrm>
           <a:prstGeom prst="rect">
             <a:avLst/>
@@ -17154,7 +16874,7 @@
             <a:normAutofit/>
           </a:bodyPr>
           <a:p>
-            <a:pPr marL="228600" indent="-227160">
+            <a:pPr marL="228600" indent="-226800">
               <a:lnSpc>
                 <a:spcPct val="90000"/>
               </a:lnSpc>
@@ -17182,7 +16902,7 @@
             </a:endParaRPr>
           </a:p>
           <a:p>
-            <a:pPr lvl="1" marL="864000" indent="-322920">
+            <a:pPr lvl="1" marL="864000" indent="-322560">
               <a:lnSpc>
                 <a:spcPct val="100000"/>
               </a:lnSpc>
@@ -17211,7 +16931,7 @@
             </a:endParaRPr>
           </a:p>
           <a:p>
-            <a:pPr marL="228600" indent="-227160">
+            <a:pPr marL="228600" indent="-226800">
               <a:lnSpc>
                 <a:spcPct val="90000"/>
               </a:lnSpc>
@@ -17239,7 +16959,7 @@
             </a:endParaRPr>
           </a:p>
           <a:p>
-            <a:pPr lvl="1" marL="864000" indent="-322920">
+            <a:pPr lvl="1" marL="864000" indent="-322560">
               <a:lnSpc>
                 <a:spcPct val="100000"/>
               </a:lnSpc>
@@ -17268,7 +16988,7 @@
             </a:endParaRPr>
           </a:p>
           <a:p>
-            <a:pPr marL="228600" indent="-227160">
+            <a:pPr marL="228600" indent="-226800">
               <a:lnSpc>
                 <a:spcPct val="100000"/>
               </a:lnSpc>
@@ -17296,7 +17016,7 @@
             </a:endParaRPr>
           </a:p>
           <a:p>
-            <a:pPr lvl="1" marL="864000" indent="-322920">
+            <a:pPr lvl="1" marL="864000" indent="-322560">
               <a:lnSpc>
                 <a:spcPct val="100000"/>
               </a:lnSpc>
@@ -17372,7 +17092,7 @@
         <p:spPr>
           <a:xfrm>
             <a:off x="0" y="0"/>
-            <a:ext cx="12190680" cy="6856560"/>
+            <a:ext cx="12190320" cy="6856200"/>
           </a:xfrm>
           <a:prstGeom prst="rect">
             <a:avLst/>
@@ -17408,7 +17128,7 @@
         <p:spPr>
           <a:xfrm>
             <a:off x="0" y="0"/>
-            <a:ext cx="12190680" cy="6856560"/>
+            <a:ext cx="12190320" cy="6856200"/>
           </a:xfrm>
           <a:prstGeom prst="rect">
             <a:avLst/>
@@ -17452,7 +17172,7 @@
         <p:spPr>
           <a:xfrm>
             <a:off x="1256400" y="3655440"/>
-            <a:ext cx="9677880" cy="1461600"/>
+            <a:ext cx="9677520" cy="1461240"/>
           </a:xfrm>
           <a:prstGeom prst="rect">
             <a:avLst/>
@@ -17507,7 +17227,7 @@
         <p:spPr>
           <a:xfrm>
             <a:off x="410400" y="1074600"/>
-            <a:ext cx="11109960" cy="1850400"/>
+            <a:ext cx="11109600" cy="1850040"/>
           </a:xfrm>
           <a:prstGeom prst="rect">
             <a:avLst/>
@@ -17556,7 +17276,102 @@
         <p:spPr>
           <a:xfrm>
             <a:off x="838080" y="365040"/>
-            <a:ext cx="10514160" cy="1324080"/>
+            <a:ext cx="10513800" cy="6125760"/>
+          </a:xfrm>
+          <a:prstGeom prst="rect">
+            <a:avLst/>
+          </a:prstGeom>
+          <a:noFill/>
+          <a:ln>
+            <a:noFill/>
+          </a:ln>
+        </p:spPr>
+        <p:style>
+          <a:lnRef idx="0"/>
+          <a:fillRef idx="0"/>
+          <a:effectRef idx="0"/>
+          <a:fontRef idx="minor"/>
+        </p:style>
+        <p:txBody>
+          <a:bodyPr lIns="0" rIns="0" tIns="0" bIns="0" anchor="ctr">
+            <a:noAutofit/>
+          </a:bodyPr>
+          <a:p>
+            <a:pPr algn="ctr">
+              <a:lnSpc>
+                <a:spcPct val="100000"/>
+              </a:lnSpc>
+              <a:tabLst>
+                <a:tab algn="l" pos="408240"/>
+              </a:tabLst>
+            </a:pPr>
+            <a:r>
+              <a:rPr b="1" lang="en-US" sz="4400" spc="-1" strike="noStrike">
+                <a:solidFill>
+                  <a:srgbClr val="ffffff"/>
+                </a:solidFill>
+                <a:latin typeface="Calibri"/>
+                <a:ea typeface="DejaVu Sans"/>
+              </a:rPr>
+              <a:t>Data Augmentation</a:t>
+            </a:r>
+            <a:br/>
+            <a:r>
+              <a:rPr b="0" lang="en-US" sz="4400" spc="-1" strike="noStrike">
+                <a:solidFill>
+                  <a:srgbClr val="ffffff"/>
+                </a:solidFill>
+                <a:latin typeface="Calibri"/>
+                <a:ea typeface="DejaVu Sans"/>
+              </a:rPr>
+              <a:t>Binary Targets</a:t>
+            </a:r>
+            <a:endParaRPr b="0" lang="en-US" sz="4400" spc="-1" strike="noStrike">
+              <a:latin typeface="Arial"/>
+            </a:endParaRPr>
+          </a:p>
+        </p:txBody>
+      </p:sp>
+    </p:spTree>
+  </p:cSld>
+  <mc:AlternateContent>
+    <mc:Choice Requires="p14">
+      <p:transition spd="slow" p14:dur="2000"/>
+    </mc:Choice>
+    <mc:Fallback>
+      <p:transition spd="slow"/>
+    </mc:Fallback>
+  </mc:AlternateContent>
+</p:sld>
+</file>
+
+<file path=ppt/slides/slide27.xml><?xml version="1.0" encoding="utf-8"?>
+<p:sld xmlns:a="http://schemas.openxmlformats.org/drawingml/2006/main" xmlns:p="http://schemas.openxmlformats.org/presentationml/2006/main" xmlns:r="http://schemas.openxmlformats.org/officeDocument/2006/relationships" xmlns:p14="http://schemas.microsoft.com/office/powerpoint/2010/main" xmlns:p15="http://schemas.microsoft.com/office/powerpoint/2012/main" xmlns:mc="http://schemas.openxmlformats.org/markup-compatibility/2006">
+  <p:cSld>
+    <p:spTree>
+      <p:nvGrpSpPr>
+        <p:cNvPr id="1" name=""/>
+        <p:cNvGrpSpPr/>
+        <p:nvPr/>
+      </p:nvGrpSpPr>
+      <p:grpSpPr>
+        <a:xfrm>
+          <a:off x="0" y="0"/>
+          <a:ext cx="0" cy="0"/>
+          <a:chOff x="0" y="0"/>
+          <a:chExt cx="0" cy="0"/>
+        </a:xfrm>
+      </p:grpSpPr>
+      <p:sp>
+        <p:nvSpPr>
+          <p:cNvPr id="144" name="CustomShape 1"/>
+          <p:cNvSpPr/>
+          <p:nvPr/>
+        </p:nvSpPr>
+        <p:spPr>
+          <a:xfrm>
+            <a:off x="838080" y="365040"/>
+            <a:ext cx="10513800" cy="1323720"/>
           </a:xfrm>
           <a:prstGeom prst="rect">
             <a:avLst/>
@@ -17590,7 +17405,7 @@
                 <a:latin typeface="Calibri Light"/>
                 <a:ea typeface="DejaVu Sans"/>
               </a:rPr>
-              <a:t>Glucose prediction (Binary)</a:t>
+              <a:t>BloodPressure prediction</a:t>
             </a:r>
             <a:endParaRPr b="0" lang="en-US" sz="4400" spc="-1" strike="noStrike">
               <a:latin typeface="Arial"/>
@@ -17600,14 +17415,14 @@
       </p:sp>
       <p:sp>
         <p:nvSpPr>
-          <p:cNvPr id="144" name="CustomShape 2"/>
+          <p:cNvPr id="145" name="CustomShape 2"/>
           <p:cNvSpPr/>
           <p:nvPr/>
         </p:nvSpPr>
         <p:spPr>
           <a:xfrm>
             <a:off x="838080" y="1825560"/>
-            <a:ext cx="10514160" cy="4349880"/>
+            <a:ext cx="10513800" cy="4349520"/>
           </a:xfrm>
           <a:prstGeom prst="rect">
             <a:avLst/>
@@ -17625,151 +17440,10 @@
         </p:style>
         <p:txBody>
           <a:bodyPr lIns="90000" rIns="90000" tIns="45000" bIns="45000">
-            <a:normAutofit/>
+            <a:normAutofit fontScale="97000"/>
           </a:bodyPr>
           <a:p>
-            <a:pPr marL="228600" indent="-227160">
-              <a:lnSpc>
-                <a:spcPct val="90000"/>
-              </a:lnSpc>
-              <a:spcBef>
-                <a:spcPts val="1001"/>
-              </a:spcBef>
-              <a:buClr>
-                <a:srgbClr val="ffffff"/>
-              </a:buClr>
-              <a:buFont typeface="Arial"/>
-              <a:buChar char="•"/>
-            </a:pPr>
-            <a:r>
-              <a:rPr b="0" lang="en-US" sz="2800" spc="-1" strike="noStrike">
-                <a:solidFill>
-                  <a:srgbClr val="ffffff"/>
-                </a:solidFill>
-                <a:latin typeface="Calibri"/>
-                <a:ea typeface="DejaVu Sans"/>
-              </a:rPr>
-              <a:t>Swap Glucose with the target label</a:t>
-            </a:r>
-            <a:endParaRPr b="0" lang="en-US" sz="2800" spc="-1" strike="noStrike">
-              <a:latin typeface="Arial"/>
-            </a:endParaRPr>
-          </a:p>
-          <a:p>
-            <a:pPr marL="228600" indent="-227160">
-              <a:lnSpc>
-                <a:spcPct val="90000"/>
-              </a:lnSpc>
-              <a:spcBef>
-                <a:spcPts val="1001"/>
-              </a:spcBef>
-              <a:buClr>
-                <a:srgbClr val="ffffff"/>
-              </a:buClr>
-              <a:buFont typeface="Arial"/>
-              <a:buChar char="•"/>
-            </a:pPr>
-            <a:r>
-              <a:rPr b="0" lang="en-US" sz="2800" spc="-1" strike="noStrike">
-                <a:solidFill>
-                  <a:srgbClr val="ffffff"/>
-                </a:solidFill>
-                <a:latin typeface="Calibri"/>
-                <a:ea typeface="DejaVu Sans"/>
-              </a:rPr>
-              <a:t>Categorize the Glucose</a:t>
-            </a:r>
-            <a:endParaRPr b="0" lang="en-US" sz="2800" spc="-1" strike="noStrike">
-              <a:latin typeface="Arial"/>
-            </a:endParaRPr>
-          </a:p>
-          <a:p>
-            <a:pPr lvl="1" marL="864000" indent="-322920">
-              <a:lnSpc>
-                <a:spcPct val="100000"/>
-              </a:lnSpc>
-              <a:spcBef>
-                <a:spcPts val="1134"/>
-              </a:spcBef>
-              <a:buClr>
-                <a:srgbClr val="ffffff"/>
-              </a:buClr>
-              <a:buSzPct val="75000"/>
-              <a:buFont typeface="Symbol"/>
-              <a:buChar char=""/>
-            </a:pPr>
-            <a:r>
-              <a:rPr b="0" lang="en-US" sz="2800" spc="-1" strike="noStrike">
-                <a:solidFill>
-                  <a:srgbClr val="ffffff"/>
-                </a:solidFill>
-                <a:latin typeface="Calibri"/>
-                <a:ea typeface="DejaVu Sans"/>
-              </a:rPr>
-              <a:t>oral glucose tolerance test</a:t>
-            </a:r>
-            <a:endParaRPr b="0" lang="en-US" sz="2800" spc="-1" strike="noStrike">
-              <a:latin typeface="Arial"/>
-            </a:endParaRPr>
-          </a:p>
-          <a:p>
-            <a:pPr lvl="1" marL="685800" indent="-227160">
-              <a:lnSpc>
-                <a:spcPct val="90000"/>
-              </a:lnSpc>
-              <a:spcBef>
-                <a:spcPts val="499"/>
-              </a:spcBef>
-              <a:buClr>
-                <a:srgbClr val="ffffff"/>
-              </a:buClr>
-              <a:buFont typeface="Arial"/>
-              <a:buChar char="•"/>
-            </a:pPr>
-            <a:r>
-              <a:rPr b="0" lang="en-US" sz="2400" spc="-1" strike="noStrike">
-                <a:solidFill>
-                  <a:srgbClr val="ffffff"/>
-                </a:solidFill>
-                <a:latin typeface="Calibri"/>
-                <a:ea typeface="DejaVu Sans"/>
-              </a:rPr>
-              <a:t>0 for normal (Glucose &lt; 125)</a:t>
-            </a:r>
-            <a:endParaRPr b="0" lang="en-US" sz="2400" spc="-1" strike="noStrike">
-              <a:latin typeface="Arial"/>
-            </a:endParaRPr>
-          </a:p>
-          <a:p>
-            <a:pPr lvl="1" marL="685800" indent="-227160">
-              <a:lnSpc>
-                <a:spcPct val="90000"/>
-              </a:lnSpc>
-              <a:spcBef>
-                <a:spcPts val="499"/>
-              </a:spcBef>
-              <a:buClr>
-                <a:srgbClr val="ffffff"/>
-              </a:buClr>
-              <a:buFont typeface="Arial"/>
-              <a:buChar char="•"/>
-            </a:pPr>
-            <a:r>
-              <a:rPr b="0" lang="en-US" sz="2400" spc="-1" strike="noStrike">
-                <a:solidFill>
-                  <a:srgbClr val="ffffff"/>
-                </a:solidFill>
-                <a:latin typeface="Calibri"/>
-                <a:ea typeface="DejaVu Sans"/>
-              </a:rPr>
-              <a:t>1 for prediabetes (Glucose &gt;= 125)</a:t>
-            </a:r>
-            <a:endParaRPr b="0" lang="en-US" sz="2400" spc="-1" strike="noStrike">
-              <a:latin typeface="Arial"/>
-            </a:endParaRPr>
-          </a:p>
-          <a:p>
-            <a:pPr marL="228600" indent="-227160">
+            <a:pPr marL="228600" indent="-226800">
               <a:lnSpc>
                 <a:spcPct val="90000"/>
               </a:lnSpc>
@@ -17790,19 +17464,48 @@
                 <a:latin typeface="Calibri"/>
                 <a:ea typeface="Calibri"/>
               </a:rPr>
-              <a:t>Data</a:t>
+              <a:t>Technique</a:t>
             </a:r>
             <a:endParaRPr b="0" lang="en-US" sz="2800" spc="-1" strike="noStrike">
               <a:latin typeface="Arial"/>
             </a:endParaRPr>
           </a:p>
           <a:p>
-            <a:pPr lvl="1" marL="685800" indent="-227160">
+            <a:pPr lvl="1" marL="864000" indent="-322560">
               <a:lnSpc>
-                <a:spcPct val="90000"/>
+                <a:spcPct val="100000"/>
               </a:lnSpc>
               <a:spcBef>
-                <a:spcPts val="499"/>
+                <a:spcPts val="1134"/>
+              </a:spcBef>
+              <a:buClr>
+                <a:srgbClr val="ffffff"/>
+              </a:buClr>
+              <a:buSzPct val="75000"/>
+              <a:buFont typeface="Symbol"/>
+              <a:buChar char=""/>
+            </a:pPr>
+            <a:r>
+              <a:rPr b="0" lang="en-US" sz="2800" spc="-1" strike="noStrike">
+                <a:solidFill>
+                  <a:srgbClr val="ffffff"/>
+                </a:solidFill>
+                <a:latin typeface="Calibri"/>
+                <a:ea typeface="Calibri"/>
+              </a:rPr>
+              <a:t>SMOTE</a:t>
+            </a:r>
+            <a:endParaRPr b="0" lang="en-US" sz="2800" spc="-1" strike="noStrike">
+              <a:latin typeface="Arial"/>
+            </a:endParaRPr>
+          </a:p>
+          <a:p>
+            <a:pPr marL="228600" indent="-226800">
+              <a:lnSpc>
+                <a:spcPct val="100000"/>
+              </a:lnSpc>
+              <a:spcBef>
+                <a:spcPts val="1414"/>
               </a:spcBef>
               <a:buClr>
                 <a:srgbClr val="ffffff"/>
@@ -17818,29 +17521,77 @@
                 <a:latin typeface="Calibri"/>
                 <a:ea typeface="Calibri"/>
               </a:rPr>
-              <a:t>Total records - </a:t>
+              <a:t>Value counts (before)</a:t>
             </a:r>
+            <a:endParaRPr b="0" lang="en-US" sz="2800" spc="-1" strike="noStrike">
+              <a:latin typeface="Arial"/>
+            </a:endParaRPr>
+          </a:p>
+          <a:p>
+            <a:pPr lvl="1" marL="864000" indent="-322560">
+              <a:lnSpc>
+                <a:spcPct val="100000"/>
+              </a:lnSpc>
+              <a:spcBef>
+                <a:spcPts val="1134"/>
+              </a:spcBef>
+              <a:buClr>
+                <a:srgbClr val="ffffff"/>
+              </a:buClr>
+              <a:buSzPct val="75000"/>
+              <a:buFont typeface="Symbol"/>
+              <a:buChar char=""/>
+            </a:pPr>
             <a:r>
-              <a:rPr b="1" lang="en-US" sz="2800" spc="-1" strike="noStrike">
+              <a:rPr b="0" lang="en-US" sz="2800" spc="-1" strike="noStrike">
                 <a:solidFill>
                   <a:srgbClr val="ffffff"/>
                 </a:solidFill>
                 <a:latin typeface="Calibri"/>
                 <a:ea typeface="Calibri"/>
               </a:rPr>
-              <a:t>636</a:t>
+              <a:t>0 (504)</a:t>
             </a:r>
             <a:endParaRPr b="0" lang="en-US" sz="2800" spc="-1" strike="noStrike">
               <a:latin typeface="Arial"/>
             </a:endParaRPr>
           </a:p>
           <a:p>
-            <a:pPr lvl="1" marL="685800" indent="-227160">
+            <a:pPr lvl="1" marL="864000" indent="-322560">
               <a:lnSpc>
-                <a:spcPct val="90000"/>
+                <a:spcPct val="100000"/>
               </a:lnSpc>
               <a:spcBef>
-                <a:spcPts val="499"/>
+                <a:spcPts val="1134"/>
+              </a:spcBef>
+              <a:buClr>
+                <a:srgbClr val="ffffff"/>
+              </a:buClr>
+              <a:buSzPct val="75000"/>
+              <a:buFont typeface="Symbol"/>
+              <a:buChar char=""/>
+            </a:pPr>
+            <a:r>
+              <a:rPr b="0" lang="en-US" sz="2800" spc="-1" strike="noStrike">
+                <a:solidFill>
+                  <a:srgbClr val="ffffff"/>
+                </a:solidFill>
+                <a:latin typeface="Calibri"/>
+                <a:ea typeface="Calibri"/>
+              </a:rPr>
+              <a:t>1 (132)</a:t>
+            </a:r>
+            <a:endParaRPr b="0" lang="en-US" sz="2800" spc="-1" strike="noStrike">
+              <a:latin typeface="Arial"/>
+            </a:endParaRPr>
+          </a:p>
+          <a:p>
+            <a:pPr marL="228600" indent="-226800">
+              <a:lnSpc>
+                <a:spcPct val="100000"/>
+              </a:lnSpc>
+              <a:spcBef>
+                <a:spcPts val="1414"/>
               </a:spcBef>
               <a:buClr>
                 <a:srgbClr val="ffffff"/>
@@ -17856,29 +17607,189 @@
                 <a:latin typeface="Calibri"/>
                 <a:ea typeface="Calibri"/>
               </a:rPr>
-              <a:t>Normal - </a:t>
+              <a:t>Value counts (after)</a:t>
             </a:r>
+            <a:endParaRPr b="0" lang="en-US" sz="2800" spc="-1" strike="noStrike">
+              <a:latin typeface="Arial"/>
+            </a:endParaRPr>
+          </a:p>
+          <a:p>
+            <a:pPr lvl="1" marL="864000" indent="-322560">
+              <a:lnSpc>
+                <a:spcPct val="100000"/>
+              </a:lnSpc>
+              <a:spcBef>
+                <a:spcPts val="1134"/>
+              </a:spcBef>
+              <a:buClr>
+                <a:srgbClr val="ffffff"/>
+              </a:buClr>
+              <a:buSzPct val="75000"/>
+              <a:buFont typeface="Symbol"/>
+              <a:buChar char=""/>
+            </a:pPr>
             <a:r>
-              <a:rPr b="1" lang="en-US" sz="2800" spc="-1" strike="noStrike">
+              <a:rPr b="0" lang="en-US" sz="2800" spc="-1" strike="noStrike">
                 <a:solidFill>
                   <a:srgbClr val="ffffff"/>
                 </a:solidFill>
                 <a:latin typeface="Calibri"/>
                 <a:ea typeface="Calibri"/>
               </a:rPr>
-              <a:t>417</a:t>
+              <a:t>0 (504)</a:t>
             </a:r>
             <a:endParaRPr b="0" lang="en-US" sz="2800" spc="-1" strike="noStrike">
               <a:latin typeface="Arial"/>
             </a:endParaRPr>
           </a:p>
           <a:p>
-            <a:pPr lvl="1" marL="685800" indent="-227160">
+            <a:pPr lvl="1" marL="864000" indent="-322560">
+              <a:lnSpc>
+                <a:spcPct val="100000"/>
+              </a:lnSpc>
+              <a:spcBef>
+                <a:spcPts val="1134"/>
+              </a:spcBef>
+              <a:buClr>
+                <a:srgbClr val="ffffff"/>
+              </a:buClr>
+              <a:buSzPct val="75000"/>
+              <a:buFont typeface="Symbol"/>
+              <a:buChar char=""/>
+            </a:pPr>
+            <a:r>
+              <a:rPr b="0" lang="en-US" sz="2800" spc="-1" strike="noStrike">
+                <a:solidFill>
+                  <a:srgbClr val="ffffff"/>
+                </a:solidFill>
+                <a:latin typeface="Calibri"/>
+                <a:ea typeface="Calibri"/>
+              </a:rPr>
+              <a:t>1 (504)</a:t>
+            </a:r>
+            <a:endParaRPr b="0" lang="en-US" sz="2800" spc="-1" strike="noStrike">
+              <a:latin typeface="Arial"/>
+            </a:endParaRPr>
+          </a:p>
+        </p:txBody>
+      </p:sp>
+    </p:spTree>
+  </p:cSld>
+  <mc:AlternateContent>
+    <mc:Choice Requires="p14">
+      <p:transition spd="slow" p14:dur="2000"/>
+    </mc:Choice>
+    <mc:Fallback>
+      <p:transition spd="slow"/>
+    </mc:Fallback>
+  </mc:AlternateContent>
+</p:sld>
+</file>
+
+<file path=ppt/slides/slide28.xml><?xml version="1.0" encoding="utf-8"?>
+<p:sld xmlns:a="http://schemas.openxmlformats.org/drawingml/2006/main" xmlns:p="http://schemas.openxmlformats.org/presentationml/2006/main" xmlns:r="http://schemas.openxmlformats.org/officeDocument/2006/relationships" xmlns:p14="http://schemas.microsoft.com/office/powerpoint/2010/main" xmlns:p15="http://schemas.microsoft.com/office/powerpoint/2012/main" xmlns:mc="http://schemas.openxmlformats.org/markup-compatibility/2006">
+  <p:cSld>
+    <p:spTree>
+      <p:nvGrpSpPr>
+        <p:cNvPr id="1" name=""/>
+        <p:cNvGrpSpPr/>
+        <p:nvPr/>
+      </p:nvGrpSpPr>
+      <p:grpSpPr>
+        <a:xfrm>
+          <a:off x="0" y="0"/>
+          <a:ext cx="0" cy="0"/>
+          <a:chOff x="0" y="0"/>
+          <a:chExt cx="0" cy="0"/>
+        </a:xfrm>
+      </p:grpSpPr>
+      <p:sp>
+        <p:nvSpPr>
+          <p:cNvPr id="146" name="CustomShape 1"/>
+          <p:cNvSpPr/>
+          <p:nvPr/>
+        </p:nvSpPr>
+        <p:spPr>
+          <a:xfrm>
+            <a:off x="838080" y="365040"/>
+            <a:ext cx="10513800" cy="1323720"/>
+          </a:xfrm>
+          <a:prstGeom prst="rect">
+            <a:avLst/>
+          </a:prstGeom>
+          <a:noFill/>
+          <a:ln>
+            <a:noFill/>
+          </a:ln>
+        </p:spPr>
+        <p:style>
+          <a:lnRef idx="0"/>
+          <a:fillRef idx="0"/>
+          <a:effectRef idx="0"/>
+          <a:fontRef idx="minor"/>
+        </p:style>
+        <p:txBody>
+          <a:bodyPr lIns="90000" rIns="90000" tIns="45000" bIns="45000" anchor="ctr">
+            <a:noAutofit/>
+          </a:bodyPr>
+          <a:p>
+            <a:pPr>
+              <a:lnSpc>
+                <a:spcPct val="90000"/>
+              </a:lnSpc>
+            </a:pPr>
+            <a:r>
+              <a:rPr b="0" lang="en-US" sz="4400" spc="-1" strike="noStrike">
+                <a:solidFill>
+                  <a:srgbClr val="ffffff"/>
+                </a:solidFill>
+                <a:latin typeface="Calibri Light"/>
+                <a:ea typeface="DejaVu Sans"/>
+              </a:rPr>
+              <a:t>Glucose prediction</a:t>
+            </a:r>
+            <a:endParaRPr b="0" lang="en-US" sz="4400" spc="-1" strike="noStrike">
+              <a:latin typeface="Arial"/>
+            </a:endParaRPr>
+          </a:p>
+        </p:txBody>
+      </p:sp>
+      <p:sp>
+        <p:nvSpPr>
+          <p:cNvPr id="147" name="CustomShape 2"/>
+          <p:cNvSpPr/>
+          <p:nvPr/>
+        </p:nvSpPr>
+        <p:spPr>
+          <a:xfrm>
+            <a:off x="838080" y="1825560"/>
+            <a:ext cx="10513800" cy="4349520"/>
+          </a:xfrm>
+          <a:prstGeom prst="rect">
+            <a:avLst/>
+          </a:prstGeom>
+          <a:noFill/>
+          <a:ln>
+            <a:noFill/>
+          </a:ln>
+        </p:spPr>
+        <p:style>
+          <a:lnRef idx="0"/>
+          <a:fillRef idx="0"/>
+          <a:effectRef idx="0"/>
+          <a:fontRef idx="minor"/>
+        </p:style>
+        <p:txBody>
+          <a:bodyPr lIns="90000" rIns="90000" tIns="45000" bIns="45000">
+            <a:normAutofit fontScale="97000"/>
+          </a:bodyPr>
+          <a:p>
+            <a:pPr marL="228600" indent="-226800">
               <a:lnSpc>
                 <a:spcPct val="90000"/>
               </a:lnSpc>
               <a:spcBef>
-                <a:spcPts val="499"/>
+                <a:spcPts val="1001"/>
               </a:spcBef>
               <a:buClr>
                 <a:srgbClr val="ffffff"/>
@@ -17894,31 +17805,209 @@
                 <a:latin typeface="Calibri"/>
                 <a:ea typeface="Calibri"/>
               </a:rPr>
-              <a:t>Prediabetes - </a:t>
+              <a:t>Technique</a:t>
             </a:r>
+            <a:endParaRPr b="0" lang="en-US" sz="2800" spc="-1" strike="noStrike">
+              <a:latin typeface="Arial"/>
+            </a:endParaRPr>
+          </a:p>
+          <a:p>
+            <a:pPr lvl="1" marL="864000" indent="-322560">
+              <a:lnSpc>
+                <a:spcPct val="100000"/>
+              </a:lnSpc>
+              <a:spcBef>
+                <a:spcPts val="1134"/>
+              </a:spcBef>
+              <a:buClr>
+                <a:srgbClr val="ffffff"/>
+              </a:buClr>
+              <a:buSzPct val="75000"/>
+              <a:buFont typeface="Symbol"/>
+              <a:buChar char=""/>
+            </a:pPr>
             <a:r>
-              <a:rPr b="1" lang="en-US" sz="2800" spc="-1" strike="noStrike">
+              <a:rPr b="0" lang="en-US" sz="2800" spc="-1" strike="noStrike">
                 <a:solidFill>
                   <a:srgbClr val="ffffff"/>
                 </a:solidFill>
                 <a:latin typeface="Calibri"/>
                 <a:ea typeface="Calibri"/>
               </a:rPr>
-              <a:t>219</a:t>
+              <a:t>SMOTE</a:t>
             </a:r>
             <a:endParaRPr b="0" lang="en-US" sz="2800" spc="-1" strike="noStrike">
               <a:latin typeface="Arial"/>
             </a:endParaRPr>
           </a:p>
           <a:p>
-            <a:pPr>
+            <a:pPr marL="228600" indent="-226800">
               <a:lnSpc>
-                <a:spcPct val="90000"/>
+                <a:spcPct val="100000"/>
               </a:lnSpc>
               <a:spcBef>
-                <a:spcPts val="1001"/>
+                <a:spcPts val="1414"/>
               </a:spcBef>
+              <a:buClr>
+                <a:srgbClr val="ffffff"/>
+              </a:buClr>
+              <a:buFont typeface="Arial"/>
+              <a:buChar char="•"/>
             </a:pPr>
+            <a:r>
+              <a:rPr b="0" lang="en-US" sz="2800" spc="-1" strike="noStrike">
+                <a:solidFill>
+                  <a:srgbClr val="ffffff"/>
+                </a:solidFill>
+                <a:latin typeface="Calibri"/>
+                <a:ea typeface="Calibri"/>
+              </a:rPr>
+              <a:t>Value counts (before)</a:t>
+            </a:r>
+            <a:endParaRPr b="0" lang="en-US" sz="2800" spc="-1" strike="noStrike">
+              <a:latin typeface="Arial"/>
+            </a:endParaRPr>
+          </a:p>
+          <a:p>
+            <a:pPr lvl="1" marL="864000" indent="-322560">
+              <a:lnSpc>
+                <a:spcPct val="100000"/>
+              </a:lnSpc>
+              <a:spcBef>
+                <a:spcPts val="1134"/>
+              </a:spcBef>
+              <a:buClr>
+                <a:srgbClr val="ffffff"/>
+              </a:buClr>
+              <a:buSzPct val="75000"/>
+              <a:buFont typeface="Symbol"/>
+              <a:buChar char=""/>
+            </a:pPr>
+            <a:r>
+              <a:rPr b="0" lang="en-US" sz="2800" spc="-1" strike="noStrike">
+                <a:solidFill>
+                  <a:srgbClr val="ffffff"/>
+                </a:solidFill>
+                <a:latin typeface="Calibri"/>
+                <a:ea typeface="Calibri"/>
+              </a:rPr>
+              <a:t>0 (499)</a:t>
+            </a:r>
+            <a:endParaRPr b="0" lang="en-US" sz="2800" spc="-1" strike="noStrike">
+              <a:latin typeface="Arial"/>
+            </a:endParaRPr>
+          </a:p>
+          <a:p>
+            <a:pPr lvl="1" marL="864000" indent="-322560">
+              <a:lnSpc>
+                <a:spcPct val="100000"/>
+              </a:lnSpc>
+              <a:spcBef>
+                <a:spcPts val="1134"/>
+              </a:spcBef>
+              <a:buClr>
+                <a:srgbClr val="ffffff"/>
+              </a:buClr>
+              <a:buSzPct val="75000"/>
+              <a:buFont typeface="Symbol"/>
+              <a:buChar char=""/>
+            </a:pPr>
+            <a:r>
+              <a:rPr b="0" lang="en-US" sz="2800" spc="-1" strike="noStrike">
+                <a:solidFill>
+                  <a:srgbClr val="ffffff"/>
+                </a:solidFill>
+                <a:latin typeface="Calibri"/>
+                <a:ea typeface="Calibri"/>
+              </a:rPr>
+              <a:t>1 (137)</a:t>
+            </a:r>
+            <a:endParaRPr b="0" lang="en-US" sz="2800" spc="-1" strike="noStrike">
+              <a:latin typeface="Arial"/>
+            </a:endParaRPr>
+          </a:p>
+          <a:p>
+            <a:pPr marL="228600" indent="-226800">
+              <a:lnSpc>
+                <a:spcPct val="100000"/>
+              </a:lnSpc>
+              <a:spcBef>
+                <a:spcPts val="1414"/>
+              </a:spcBef>
+              <a:buClr>
+                <a:srgbClr val="ffffff"/>
+              </a:buClr>
+              <a:buFont typeface="Arial"/>
+              <a:buChar char="•"/>
+            </a:pPr>
+            <a:r>
+              <a:rPr b="0" lang="en-US" sz="2800" spc="-1" strike="noStrike">
+                <a:solidFill>
+                  <a:srgbClr val="ffffff"/>
+                </a:solidFill>
+                <a:latin typeface="Calibri"/>
+                <a:ea typeface="Calibri"/>
+              </a:rPr>
+              <a:t>Value counts (after)</a:t>
+            </a:r>
+            <a:endParaRPr b="0" lang="en-US" sz="2800" spc="-1" strike="noStrike">
+              <a:latin typeface="Arial"/>
+            </a:endParaRPr>
+          </a:p>
+          <a:p>
+            <a:pPr lvl="1" marL="864000" indent="-322560">
+              <a:lnSpc>
+                <a:spcPct val="100000"/>
+              </a:lnSpc>
+              <a:spcBef>
+                <a:spcPts val="1134"/>
+              </a:spcBef>
+              <a:buClr>
+                <a:srgbClr val="ffffff"/>
+              </a:buClr>
+              <a:buSzPct val="75000"/>
+              <a:buFont typeface="Symbol"/>
+              <a:buChar char=""/>
+            </a:pPr>
+            <a:r>
+              <a:rPr b="0" lang="en-US" sz="2800" spc="-1" strike="noStrike">
+                <a:solidFill>
+                  <a:srgbClr val="ffffff"/>
+                </a:solidFill>
+                <a:latin typeface="Calibri"/>
+                <a:ea typeface="Calibri"/>
+              </a:rPr>
+              <a:t>0 (499)</a:t>
+            </a:r>
+            <a:endParaRPr b="0" lang="en-US" sz="2800" spc="-1" strike="noStrike">
+              <a:latin typeface="Arial"/>
+            </a:endParaRPr>
+          </a:p>
+          <a:p>
+            <a:pPr lvl="1" marL="864000" indent="-322560">
+              <a:lnSpc>
+                <a:spcPct val="100000"/>
+              </a:lnSpc>
+              <a:spcBef>
+                <a:spcPts val="1134"/>
+              </a:spcBef>
+              <a:buClr>
+                <a:srgbClr val="ffffff"/>
+              </a:buClr>
+              <a:buSzPct val="75000"/>
+              <a:buFont typeface="Symbol"/>
+              <a:buChar char=""/>
+            </a:pPr>
+            <a:r>
+              <a:rPr b="0" lang="en-US" sz="2800" spc="-1" strike="noStrike">
+                <a:solidFill>
+                  <a:srgbClr val="ffffff"/>
+                </a:solidFill>
+                <a:latin typeface="Calibri"/>
+                <a:ea typeface="Calibri"/>
+              </a:rPr>
+              <a:t>1 (499)</a:t>
+            </a:r>
             <a:endParaRPr b="0" lang="en-US" sz="2800" spc="-1" strike="noStrike">
               <a:latin typeface="Arial"/>
             </a:endParaRPr>
@@ -17938,7 +18027,7 @@
 </p:sld>
 </file>
 
-<file path=ppt/slides/slide27.xml><?xml version="1.0" encoding="utf-8"?>
+<file path=ppt/slides/slide29.xml><?xml version="1.0" encoding="utf-8"?>
 <p:sld xmlns:a="http://schemas.openxmlformats.org/drawingml/2006/main" xmlns:p="http://schemas.openxmlformats.org/presentationml/2006/main" xmlns:r="http://schemas.openxmlformats.org/officeDocument/2006/relationships" xmlns:p14="http://schemas.microsoft.com/office/powerpoint/2010/main" xmlns:p15="http://schemas.microsoft.com/office/powerpoint/2012/main" xmlns:mc="http://schemas.openxmlformats.org/markup-compatibility/2006">
   <p:cSld>
     <p:bg>
@@ -17964,14 +18053,14 @@
       </p:grpSpPr>
       <p:sp>
         <p:nvSpPr>
-          <p:cNvPr id="145" name="CustomShape 1"/>
+          <p:cNvPr id="148" name="CustomShape 1"/>
           <p:cNvSpPr/>
           <p:nvPr/>
         </p:nvSpPr>
         <p:spPr>
           <a:xfrm>
             <a:off x="0" y="0"/>
-            <a:ext cx="12190680" cy="6856560"/>
+            <a:ext cx="12190320" cy="6856200"/>
           </a:xfrm>
           <a:prstGeom prst="rect">
             <a:avLst/>
@@ -18000,14 +18089,14 @@
       </p:sp>
       <p:sp>
         <p:nvSpPr>
-          <p:cNvPr id="146" name="CustomShape 2"/>
+          <p:cNvPr id="149" name="CustomShape 2"/>
           <p:cNvSpPr/>
           <p:nvPr/>
         </p:nvSpPr>
         <p:spPr>
           <a:xfrm>
             <a:off x="0" y="0"/>
-            <a:ext cx="12190680" cy="6856560"/>
+            <a:ext cx="12190320" cy="6856200"/>
           </a:xfrm>
           <a:prstGeom prst="rect">
             <a:avLst/>
@@ -18044,14 +18133,14 @@
       </p:sp>
       <p:sp>
         <p:nvSpPr>
-          <p:cNvPr id="147" name="CustomShape 3"/>
+          <p:cNvPr id="150" name="CustomShape 3"/>
           <p:cNvSpPr/>
           <p:nvPr/>
         </p:nvSpPr>
         <p:spPr>
           <a:xfrm>
             <a:off x="1256400" y="3655440"/>
-            <a:ext cx="9677880" cy="1461600"/>
+            <a:ext cx="9677520" cy="1461240"/>
           </a:xfrm>
           <a:prstGeom prst="rect">
             <a:avLst/>
@@ -18095,7 +18184,7 @@
       </p:sp>
       <p:pic>
         <p:nvPicPr>
-          <p:cNvPr id="148" name="Picture 155" descr=""/>
+          <p:cNvPr id="151" name="Picture 164" descr=""/>
           <p:cNvPicPr/>
           <p:nvPr/>
         </p:nvPicPr>
@@ -18105,8 +18194,8 @@
         </p:blipFill>
         <p:spPr>
           <a:xfrm>
-            <a:off x="206640" y="1097280"/>
-            <a:ext cx="11588400" cy="1828080"/>
+            <a:off x="365760" y="1463040"/>
+            <a:ext cx="11619360" cy="1828080"/>
           </a:xfrm>
           <a:prstGeom prst="rect">
             <a:avLst/>
@@ -18116,53 +18205,56 @@
           </a:ln>
         </p:spPr>
       </p:pic>
-    </p:spTree>
-  </p:cSld>
-  <mc:AlternateContent>
-    <mc:Choice Requires="p14">
-      <p:transition spd="slow" p14:dur="2000"/>
-    </mc:Choice>
-    <mc:Fallback>
-      <p:transition spd="slow"/>
-    </mc:Fallback>
-  </mc:AlternateContent>
-</p:sld>
-</file>
-
-<file path=ppt/slides/slide28.xml><?xml version="1.0" encoding="utf-8"?>
-<p:sld xmlns:a="http://schemas.openxmlformats.org/drawingml/2006/main" xmlns:p="http://schemas.openxmlformats.org/presentationml/2006/main" xmlns:r="http://schemas.openxmlformats.org/officeDocument/2006/relationships" xmlns:p14="http://schemas.microsoft.com/office/powerpoint/2010/main" xmlns:p15="http://schemas.microsoft.com/office/powerpoint/2012/main" xmlns:mc="http://schemas.openxmlformats.org/markup-compatibility/2006">
-  <p:cSld>
-    <p:spTree>
-      <p:nvGrpSpPr>
-        <p:cNvPr id="1" name=""/>
-        <p:cNvGrpSpPr/>
-        <p:nvPr/>
-      </p:nvGrpSpPr>
-      <p:grpSpPr>
-        <a:xfrm>
-          <a:off x="0" y="0"/>
-          <a:ext cx="0" cy="0"/>
-          <a:chOff x="0" y="0"/>
-          <a:chExt cx="0" cy="0"/>
-        </a:xfrm>
-      </p:grpSpPr>
       <p:sp>
         <p:nvSpPr>
-          <p:cNvPr id="149" name="CustomShape 1"/>
+          <p:cNvPr id="152" name="Line 4"/>
           <p:cNvSpPr/>
           <p:nvPr/>
         </p:nvSpPr>
         <p:spPr>
           <a:xfrm>
-            <a:off x="838080" y="365040"/>
-            <a:ext cx="10514160" cy="6126120"/>
+            <a:off x="0" y="0"/>
+            <a:ext cx="360" cy="360"/>
           </a:xfrm>
-          <a:prstGeom prst="rect">
+          <a:prstGeom prst="line">
             <a:avLst/>
           </a:prstGeom>
-          <a:noFill/>
           <a:ln>
-            <a:noFill/>
+            <a:solidFill>
+              <a:schemeClr val="accent5">
+                <a:hueOff val="0"/>
+                <a:satOff val="0"/>
+                <a:lumOff val="0"/>
+                <a:alphaOff val="0"/>
+              </a:schemeClr>
+            </a:solidFill>
+          </a:ln>
+        </p:spPr>
+        <p:style>
+          <a:lnRef idx="2"/>
+          <a:fillRef idx="0"/>
+          <a:effectRef idx="0"/>
+          <a:fontRef idx="minor"/>
+        </p:style>
+      </p:sp>
+      <p:sp>
+        <p:nvSpPr>
+          <p:cNvPr id="153" name="Line 5"/>
+          <p:cNvSpPr/>
+          <p:nvPr/>
+        </p:nvSpPr>
+        <p:spPr>
+          <a:xfrm>
+            <a:off x="0" y="0"/>
+            <a:ext cx="360" cy="360"/>
+          </a:xfrm>
+          <a:prstGeom prst="line">
+            <a:avLst/>
+          </a:prstGeom>
+          <a:ln>
+            <a:solidFill>
+              <a:srgbClr val="3465a4"/>
+            </a:solidFill>
           </a:ln>
         </p:spPr>
         <p:style>
@@ -18171,386 +18263,6 @@
           <a:effectRef idx="0"/>
           <a:fontRef idx="minor"/>
         </p:style>
-        <p:txBody>
-          <a:bodyPr lIns="0" rIns="0" tIns="0" bIns="0" anchor="ctr">
-            <a:noAutofit/>
-          </a:bodyPr>
-          <a:p>
-            <a:pPr algn="ctr">
-              <a:lnSpc>
-                <a:spcPct val="100000"/>
-              </a:lnSpc>
-              <a:tabLst>
-                <a:tab algn="l" pos="408240"/>
-              </a:tabLst>
-            </a:pPr>
-            <a:r>
-              <a:rPr b="1" lang="en-US" sz="4400" spc="-1" strike="noStrike">
-                <a:solidFill>
-                  <a:srgbClr val="ffffff"/>
-                </a:solidFill>
-                <a:latin typeface="Calibri"/>
-                <a:ea typeface="DejaVu Sans"/>
-              </a:rPr>
-              <a:t>Data Augmentation</a:t>
-            </a:r>
-            <a:br/>
-            <a:r>
-              <a:rPr b="0" lang="en-US" sz="4400" spc="-1" strike="noStrike">
-                <a:solidFill>
-                  <a:srgbClr val="ffffff"/>
-                </a:solidFill>
-                <a:latin typeface="Calibri"/>
-                <a:ea typeface="DejaVu Sans"/>
-              </a:rPr>
-              <a:t>Binary Targets</a:t>
-            </a:r>
-            <a:endParaRPr b="0" lang="en-US" sz="4400" spc="-1" strike="noStrike">
-              <a:latin typeface="Arial"/>
-            </a:endParaRPr>
-          </a:p>
-        </p:txBody>
-      </p:sp>
-    </p:spTree>
-  </p:cSld>
-  <mc:AlternateContent>
-    <mc:Choice Requires="p14">
-      <p:transition spd="slow" p14:dur="2000"/>
-    </mc:Choice>
-    <mc:Fallback>
-      <p:transition spd="slow"/>
-    </mc:Fallback>
-  </mc:AlternateContent>
-</p:sld>
-</file>
-
-<file path=ppt/slides/slide29.xml><?xml version="1.0" encoding="utf-8"?>
-<p:sld xmlns:a="http://schemas.openxmlformats.org/drawingml/2006/main" xmlns:p="http://schemas.openxmlformats.org/presentationml/2006/main" xmlns:r="http://schemas.openxmlformats.org/officeDocument/2006/relationships" xmlns:p14="http://schemas.microsoft.com/office/powerpoint/2010/main" xmlns:p15="http://schemas.microsoft.com/office/powerpoint/2012/main" xmlns:mc="http://schemas.openxmlformats.org/markup-compatibility/2006">
-  <p:cSld>
-    <p:spTree>
-      <p:nvGrpSpPr>
-        <p:cNvPr id="1" name=""/>
-        <p:cNvGrpSpPr/>
-        <p:nvPr/>
-      </p:nvGrpSpPr>
-      <p:grpSpPr>
-        <a:xfrm>
-          <a:off x="0" y="0"/>
-          <a:ext cx="0" cy="0"/>
-          <a:chOff x="0" y="0"/>
-          <a:chExt cx="0" cy="0"/>
-        </a:xfrm>
-      </p:grpSpPr>
-      <p:sp>
-        <p:nvSpPr>
-          <p:cNvPr id="150" name="CustomShape 1"/>
-          <p:cNvSpPr/>
-          <p:nvPr/>
-        </p:nvSpPr>
-        <p:spPr>
-          <a:xfrm>
-            <a:off x="838080" y="365040"/>
-            <a:ext cx="10514160" cy="1324080"/>
-          </a:xfrm>
-          <a:prstGeom prst="rect">
-            <a:avLst/>
-          </a:prstGeom>
-          <a:noFill/>
-          <a:ln>
-            <a:noFill/>
-          </a:ln>
-        </p:spPr>
-        <p:style>
-          <a:lnRef idx="0"/>
-          <a:fillRef idx="0"/>
-          <a:effectRef idx="0"/>
-          <a:fontRef idx="minor"/>
-        </p:style>
-        <p:txBody>
-          <a:bodyPr lIns="90000" rIns="90000" tIns="45000" bIns="45000" anchor="ctr">
-            <a:noAutofit/>
-          </a:bodyPr>
-          <a:p>
-            <a:pPr>
-              <a:lnSpc>
-                <a:spcPct val="90000"/>
-              </a:lnSpc>
-            </a:pPr>
-            <a:r>
-              <a:rPr b="0" lang="en-US" sz="4400" spc="-1" strike="noStrike">
-                <a:solidFill>
-                  <a:srgbClr val="ffffff"/>
-                </a:solidFill>
-                <a:latin typeface="Calibri Light"/>
-                <a:ea typeface="DejaVu Sans"/>
-              </a:rPr>
-              <a:t>BloodPressure prediction</a:t>
-            </a:r>
-            <a:endParaRPr b="0" lang="en-US" sz="4400" spc="-1" strike="noStrike">
-              <a:latin typeface="Arial"/>
-            </a:endParaRPr>
-          </a:p>
-        </p:txBody>
-      </p:sp>
-      <p:sp>
-        <p:nvSpPr>
-          <p:cNvPr id="151" name="CustomShape 2"/>
-          <p:cNvSpPr/>
-          <p:nvPr/>
-        </p:nvSpPr>
-        <p:spPr>
-          <a:xfrm>
-            <a:off x="838080" y="1825560"/>
-            <a:ext cx="10514160" cy="4349880"/>
-          </a:xfrm>
-          <a:prstGeom prst="rect">
-            <a:avLst/>
-          </a:prstGeom>
-          <a:noFill/>
-          <a:ln>
-            <a:noFill/>
-          </a:ln>
-        </p:spPr>
-        <p:style>
-          <a:lnRef idx="0"/>
-          <a:fillRef idx="0"/>
-          <a:effectRef idx="0"/>
-          <a:fontRef idx="minor"/>
-        </p:style>
-        <p:txBody>
-          <a:bodyPr lIns="90000" rIns="90000" tIns="45000" bIns="45000">
-            <a:normAutofit fontScale="97000"/>
-          </a:bodyPr>
-          <a:p>
-            <a:pPr marL="228600" indent="-227160">
-              <a:lnSpc>
-                <a:spcPct val="90000"/>
-              </a:lnSpc>
-              <a:spcBef>
-                <a:spcPts val="1001"/>
-              </a:spcBef>
-              <a:buClr>
-                <a:srgbClr val="ffffff"/>
-              </a:buClr>
-              <a:buFont typeface="Arial"/>
-              <a:buChar char="•"/>
-            </a:pPr>
-            <a:r>
-              <a:rPr b="0" lang="en-US" sz="2800" spc="-1" strike="noStrike">
-                <a:solidFill>
-                  <a:srgbClr val="ffffff"/>
-                </a:solidFill>
-                <a:latin typeface="Calibri"/>
-                <a:ea typeface="Calibri"/>
-              </a:rPr>
-              <a:t>Technique</a:t>
-            </a:r>
-            <a:endParaRPr b="0" lang="en-US" sz="2800" spc="-1" strike="noStrike">
-              <a:latin typeface="Arial"/>
-            </a:endParaRPr>
-          </a:p>
-          <a:p>
-            <a:pPr lvl="1" marL="864000" indent="-322920">
-              <a:lnSpc>
-                <a:spcPct val="100000"/>
-              </a:lnSpc>
-              <a:spcBef>
-                <a:spcPts val="1134"/>
-              </a:spcBef>
-              <a:buClr>
-                <a:srgbClr val="ffffff"/>
-              </a:buClr>
-              <a:buSzPct val="75000"/>
-              <a:buFont typeface="Symbol"/>
-              <a:buChar char=""/>
-            </a:pPr>
-            <a:r>
-              <a:rPr b="0" lang="en-US" sz="2800" spc="-1" strike="noStrike">
-                <a:solidFill>
-                  <a:srgbClr val="ffffff"/>
-                </a:solidFill>
-                <a:latin typeface="Calibri"/>
-                <a:ea typeface="Calibri"/>
-              </a:rPr>
-              <a:t>SMOTE</a:t>
-            </a:r>
-            <a:endParaRPr b="0" lang="en-US" sz="2800" spc="-1" strike="noStrike">
-              <a:latin typeface="Arial"/>
-            </a:endParaRPr>
-          </a:p>
-          <a:p>
-            <a:pPr marL="228600" indent="-227160">
-              <a:lnSpc>
-                <a:spcPct val="100000"/>
-              </a:lnSpc>
-              <a:spcBef>
-                <a:spcPts val="1414"/>
-              </a:spcBef>
-              <a:buClr>
-                <a:srgbClr val="ffffff"/>
-              </a:buClr>
-              <a:buFont typeface="Arial"/>
-              <a:buChar char="•"/>
-            </a:pPr>
-            <a:r>
-              <a:rPr b="0" lang="en-US" sz="2800" spc="-1" strike="noStrike">
-                <a:solidFill>
-                  <a:srgbClr val="ffffff"/>
-                </a:solidFill>
-                <a:latin typeface="Calibri"/>
-                <a:ea typeface="Calibri"/>
-              </a:rPr>
-              <a:t>Value counts (before)</a:t>
-            </a:r>
-            <a:endParaRPr b="0" lang="en-US" sz="2800" spc="-1" strike="noStrike">
-              <a:latin typeface="Arial"/>
-            </a:endParaRPr>
-          </a:p>
-          <a:p>
-            <a:pPr lvl="1" marL="864000" indent="-322920">
-              <a:lnSpc>
-                <a:spcPct val="100000"/>
-              </a:lnSpc>
-              <a:spcBef>
-                <a:spcPts val="1134"/>
-              </a:spcBef>
-              <a:buClr>
-                <a:srgbClr val="ffffff"/>
-              </a:buClr>
-              <a:buSzPct val="75000"/>
-              <a:buFont typeface="Symbol"/>
-              <a:buChar char=""/>
-            </a:pPr>
-            <a:r>
-              <a:rPr b="0" lang="en-US" sz="2800" spc="-1" strike="noStrike">
-                <a:solidFill>
-                  <a:srgbClr val="ffffff"/>
-                </a:solidFill>
-                <a:latin typeface="Calibri"/>
-                <a:ea typeface="Calibri"/>
-              </a:rPr>
-              <a:t>0 (504)</a:t>
-            </a:r>
-            <a:endParaRPr b="0" lang="en-US" sz="2800" spc="-1" strike="noStrike">
-              <a:latin typeface="Arial"/>
-            </a:endParaRPr>
-          </a:p>
-          <a:p>
-            <a:pPr lvl="1" marL="864000" indent="-322920">
-              <a:lnSpc>
-                <a:spcPct val="100000"/>
-              </a:lnSpc>
-              <a:spcBef>
-                <a:spcPts val="1134"/>
-              </a:spcBef>
-              <a:buClr>
-                <a:srgbClr val="ffffff"/>
-              </a:buClr>
-              <a:buSzPct val="75000"/>
-              <a:buFont typeface="Symbol"/>
-              <a:buChar char=""/>
-            </a:pPr>
-            <a:r>
-              <a:rPr b="0" lang="en-US" sz="2800" spc="-1" strike="noStrike">
-                <a:solidFill>
-                  <a:srgbClr val="ffffff"/>
-                </a:solidFill>
-                <a:latin typeface="Calibri"/>
-                <a:ea typeface="Calibri"/>
-              </a:rPr>
-              <a:t>1 (132)</a:t>
-            </a:r>
-            <a:endParaRPr b="0" lang="en-US" sz="2800" spc="-1" strike="noStrike">
-              <a:latin typeface="Arial"/>
-            </a:endParaRPr>
-          </a:p>
-          <a:p>
-            <a:pPr marL="228600" indent="-227160">
-              <a:lnSpc>
-                <a:spcPct val="100000"/>
-              </a:lnSpc>
-              <a:spcBef>
-                <a:spcPts val="1414"/>
-              </a:spcBef>
-              <a:buClr>
-                <a:srgbClr val="ffffff"/>
-              </a:buClr>
-              <a:buFont typeface="Arial"/>
-              <a:buChar char="•"/>
-            </a:pPr>
-            <a:r>
-              <a:rPr b="0" lang="en-US" sz="2800" spc="-1" strike="noStrike">
-                <a:solidFill>
-                  <a:srgbClr val="ffffff"/>
-                </a:solidFill>
-                <a:latin typeface="Calibri"/>
-                <a:ea typeface="Calibri"/>
-              </a:rPr>
-              <a:t>Value counts (after)</a:t>
-            </a:r>
-            <a:endParaRPr b="0" lang="en-US" sz="2800" spc="-1" strike="noStrike">
-              <a:latin typeface="Arial"/>
-            </a:endParaRPr>
-          </a:p>
-          <a:p>
-            <a:pPr lvl="1" marL="864000" indent="-322920">
-              <a:lnSpc>
-                <a:spcPct val="100000"/>
-              </a:lnSpc>
-              <a:spcBef>
-                <a:spcPts val="1134"/>
-              </a:spcBef>
-              <a:buClr>
-                <a:srgbClr val="ffffff"/>
-              </a:buClr>
-              <a:buSzPct val="75000"/>
-              <a:buFont typeface="Symbol"/>
-              <a:buChar char=""/>
-            </a:pPr>
-            <a:r>
-              <a:rPr b="0" lang="en-US" sz="2800" spc="-1" strike="noStrike">
-                <a:solidFill>
-                  <a:srgbClr val="ffffff"/>
-                </a:solidFill>
-                <a:latin typeface="Calibri"/>
-                <a:ea typeface="Calibri"/>
-              </a:rPr>
-              <a:t>0 (504)</a:t>
-            </a:r>
-            <a:endParaRPr b="0" lang="en-US" sz="2800" spc="-1" strike="noStrike">
-              <a:latin typeface="Arial"/>
-            </a:endParaRPr>
-          </a:p>
-          <a:p>
-            <a:pPr lvl="1" marL="864000" indent="-322920">
-              <a:lnSpc>
-                <a:spcPct val="100000"/>
-              </a:lnSpc>
-              <a:spcBef>
-                <a:spcPts val="1134"/>
-              </a:spcBef>
-              <a:buClr>
-                <a:srgbClr val="ffffff"/>
-              </a:buClr>
-              <a:buSzPct val="75000"/>
-              <a:buFont typeface="Symbol"/>
-              <a:buChar char=""/>
-            </a:pPr>
-            <a:r>
-              <a:rPr b="0" lang="en-US" sz="2800" spc="-1" strike="noStrike">
-                <a:solidFill>
-                  <a:srgbClr val="ffffff"/>
-                </a:solidFill>
-                <a:latin typeface="Calibri"/>
-                <a:ea typeface="Calibri"/>
-              </a:rPr>
-              <a:t>1 (504)</a:t>
-            </a:r>
-            <a:endParaRPr b="0" lang="en-US" sz="2800" spc="-1" strike="noStrike">
-              <a:latin typeface="Arial"/>
-            </a:endParaRPr>
-          </a:p>
-        </p:txBody>
       </p:sp>
     </p:spTree>
   </p:cSld>
@@ -18598,7 +18310,7 @@
         <p:spPr>
           <a:xfrm>
             <a:off x="0" y="0"/>
-            <a:ext cx="12190680" cy="6856560"/>
+            <a:ext cx="12190320" cy="6856200"/>
           </a:xfrm>
           <a:prstGeom prst="rect">
             <a:avLst/>
@@ -18634,7 +18346,7 @@
         <p:spPr>
           <a:xfrm>
             <a:off x="643320" y="321840"/>
-            <a:ext cx="10903680" cy="1134360"/>
+            <a:ext cx="10903320" cy="1134000"/>
           </a:xfrm>
           <a:prstGeom prst="rect">
             <a:avLst/>
@@ -18685,7 +18397,7 @@
         <p:spPr>
           <a:xfrm>
             <a:off x="643320" y="1783080"/>
-            <a:ext cx="10903680" cy="4392720"/>
+            <a:ext cx="10903320" cy="4392360"/>
           </a:xfrm>
           <a:prstGeom prst="rect">
             <a:avLst/>
@@ -18706,7 +18418,7 @@
             <a:noAutofit/>
           </a:bodyPr>
           <a:p>
-            <a:pPr marL="228600" indent="-227160">
+            <a:pPr marL="228600" indent="-226800">
               <a:lnSpc>
                 <a:spcPct val="90000"/>
               </a:lnSpc>
@@ -18734,7 +18446,7 @@
             </a:endParaRPr>
           </a:p>
           <a:p>
-            <a:pPr lvl="1" marL="685800" indent="-227160">
+            <a:pPr lvl="1" marL="685800" indent="-226800">
               <a:lnSpc>
                 <a:spcPct val="90000"/>
               </a:lnSpc>
@@ -18762,7 +18474,7 @@
             </a:endParaRPr>
           </a:p>
           <a:p>
-            <a:pPr lvl="1" marL="685800" indent="-227160">
+            <a:pPr lvl="1" marL="685800" indent="-226800">
               <a:lnSpc>
                 <a:spcPct val="90000"/>
               </a:lnSpc>
@@ -18790,7 +18502,7 @@
             </a:endParaRPr>
           </a:p>
           <a:p>
-            <a:pPr lvl="1" marL="685800" indent="-227160">
+            <a:pPr lvl="1" marL="685800" indent="-226800">
               <a:lnSpc>
                 <a:spcPct val="90000"/>
               </a:lnSpc>
@@ -18818,7 +18530,7 @@
             </a:endParaRPr>
           </a:p>
           <a:p>
-            <a:pPr lvl="1" marL="685800" indent="-227160">
+            <a:pPr lvl="1" marL="685800" indent="-226800">
               <a:lnSpc>
                 <a:spcPct val="90000"/>
               </a:lnSpc>
@@ -18846,7 +18558,7 @@
             </a:endParaRPr>
           </a:p>
           <a:p>
-            <a:pPr marL="228600" indent="-227160">
+            <a:pPr marL="228600" indent="-226800">
               <a:lnSpc>
                 <a:spcPct val="90000"/>
               </a:lnSpc>
@@ -18883,8 +18595,8 @@
         </p:nvSpPr>
         <p:spPr>
           <a:xfrm rot="2700000">
-            <a:off x="11053080" y="2118960"/>
-            <a:ext cx="644040" cy="644040"/>
+            <a:off x="11053440" y="2118600"/>
+            <a:ext cx="643680" cy="643680"/>
           </a:xfrm>
           <a:prstGeom prst="rect">
             <a:avLst/>
@@ -18921,8 +18633,8 @@
         </p:nvSpPr>
         <p:spPr>
           <a:xfrm rot="16200000">
-            <a:off x="10288800" y="1344600"/>
-            <a:ext cx="2531520" cy="1271520"/>
+            <a:off x="10288800" y="1344960"/>
+            <a:ext cx="2531160" cy="1271160"/>
           </a:xfrm>
           <a:prstGeom prst="triangle">
             <a:avLst>
@@ -18961,8 +18673,8 @@
         </p:nvSpPr>
         <p:spPr>
           <a:xfrm rot="5400000">
-            <a:off x="-498960" y="5103000"/>
-            <a:ext cx="2016000" cy="1012680"/>
+            <a:off x="-498240" y="5103000"/>
+            <a:ext cx="2015640" cy="1012320"/>
           </a:xfrm>
           <a:prstGeom prst="triangle">
             <a:avLst>
@@ -19001,8 +18713,8 @@
         </p:nvSpPr>
         <p:spPr>
           <a:xfrm rot="2700000">
-            <a:off x="427680" y="5727600"/>
-            <a:ext cx="484200" cy="484200"/>
+            <a:off x="427680" y="5727240"/>
+            <a:ext cx="483840" cy="483840"/>
           </a:xfrm>
           <a:prstGeom prst="rect">
             <a:avLst/>
@@ -19031,580 +18743,6 @@
           <a:fontRef idx="minor"/>
         </p:style>
       </p:sp>
-    </p:spTree>
-  </p:cSld>
-  <mc:AlternateContent>
-    <mc:Choice Requires="p14">
-      <p:transition spd="slow" p14:dur="2000"/>
-    </mc:Choice>
-    <mc:Fallback>
-      <p:transition spd="slow"/>
-    </mc:Fallback>
-  </mc:AlternateContent>
-</p:sld>
-</file>
-
-<file path=ppt/slides/slide30.xml><?xml version="1.0" encoding="utf-8"?>
-<p:sld xmlns:a="http://schemas.openxmlformats.org/drawingml/2006/main" xmlns:p="http://schemas.openxmlformats.org/presentationml/2006/main" xmlns:r="http://schemas.openxmlformats.org/officeDocument/2006/relationships" xmlns:p14="http://schemas.microsoft.com/office/powerpoint/2010/main" xmlns:p15="http://schemas.microsoft.com/office/powerpoint/2012/main" xmlns:mc="http://schemas.openxmlformats.org/markup-compatibility/2006">
-  <p:cSld>
-    <p:spTree>
-      <p:nvGrpSpPr>
-        <p:cNvPr id="1" name=""/>
-        <p:cNvGrpSpPr/>
-        <p:nvPr/>
-      </p:nvGrpSpPr>
-      <p:grpSpPr>
-        <a:xfrm>
-          <a:off x="0" y="0"/>
-          <a:ext cx="0" cy="0"/>
-          <a:chOff x="0" y="0"/>
-          <a:chExt cx="0" cy="0"/>
-        </a:xfrm>
-      </p:grpSpPr>
-      <p:sp>
-        <p:nvSpPr>
-          <p:cNvPr id="152" name="CustomShape 1"/>
-          <p:cNvSpPr/>
-          <p:nvPr/>
-        </p:nvSpPr>
-        <p:spPr>
-          <a:xfrm>
-            <a:off x="838080" y="365040"/>
-            <a:ext cx="10514160" cy="1324080"/>
-          </a:xfrm>
-          <a:prstGeom prst="rect">
-            <a:avLst/>
-          </a:prstGeom>
-          <a:noFill/>
-          <a:ln>
-            <a:noFill/>
-          </a:ln>
-        </p:spPr>
-        <p:style>
-          <a:lnRef idx="0"/>
-          <a:fillRef idx="0"/>
-          <a:effectRef idx="0"/>
-          <a:fontRef idx="minor"/>
-        </p:style>
-        <p:txBody>
-          <a:bodyPr lIns="90000" rIns="90000" tIns="45000" bIns="45000" anchor="ctr">
-            <a:noAutofit/>
-          </a:bodyPr>
-          <a:p>
-            <a:pPr>
-              <a:lnSpc>
-                <a:spcPct val="90000"/>
-              </a:lnSpc>
-            </a:pPr>
-            <a:r>
-              <a:rPr b="0" lang="en-US" sz="4400" spc="-1" strike="noStrike">
-                <a:solidFill>
-                  <a:srgbClr val="ffffff"/>
-                </a:solidFill>
-                <a:latin typeface="Calibri Light"/>
-                <a:ea typeface="DejaVu Sans"/>
-              </a:rPr>
-              <a:t>Glucose prediction</a:t>
-            </a:r>
-            <a:endParaRPr b="0" lang="en-US" sz="4400" spc="-1" strike="noStrike">
-              <a:latin typeface="Arial"/>
-            </a:endParaRPr>
-          </a:p>
-        </p:txBody>
-      </p:sp>
-      <p:sp>
-        <p:nvSpPr>
-          <p:cNvPr id="153" name="CustomShape 2"/>
-          <p:cNvSpPr/>
-          <p:nvPr/>
-        </p:nvSpPr>
-        <p:spPr>
-          <a:xfrm>
-            <a:off x="838080" y="1825560"/>
-            <a:ext cx="10514160" cy="4349880"/>
-          </a:xfrm>
-          <a:prstGeom prst="rect">
-            <a:avLst/>
-          </a:prstGeom>
-          <a:noFill/>
-          <a:ln>
-            <a:noFill/>
-          </a:ln>
-        </p:spPr>
-        <p:style>
-          <a:lnRef idx="0"/>
-          <a:fillRef idx="0"/>
-          <a:effectRef idx="0"/>
-          <a:fontRef idx="minor"/>
-        </p:style>
-        <p:txBody>
-          <a:bodyPr lIns="90000" rIns="90000" tIns="45000" bIns="45000">
-            <a:normAutofit fontScale="97000"/>
-          </a:bodyPr>
-          <a:p>
-            <a:pPr marL="228600" indent="-227160">
-              <a:lnSpc>
-                <a:spcPct val="90000"/>
-              </a:lnSpc>
-              <a:spcBef>
-                <a:spcPts val="1001"/>
-              </a:spcBef>
-              <a:buClr>
-                <a:srgbClr val="ffffff"/>
-              </a:buClr>
-              <a:buFont typeface="Arial"/>
-              <a:buChar char="•"/>
-            </a:pPr>
-            <a:r>
-              <a:rPr b="0" lang="en-US" sz="2800" spc="-1" strike="noStrike">
-                <a:solidFill>
-                  <a:srgbClr val="ffffff"/>
-                </a:solidFill>
-                <a:latin typeface="Calibri"/>
-                <a:ea typeface="Calibri"/>
-              </a:rPr>
-              <a:t>Technique</a:t>
-            </a:r>
-            <a:endParaRPr b="0" lang="en-US" sz="2800" spc="-1" strike="noStrike">
-              <a:latin typeface="Arial"/>
-            </a:endParaRPr>
-          </a:p>
-          <a:p>
-            <a:pPr lvl="1" marL="864000" indent="-322920">
-              <a:lnSpc>
-                <a:spcPct val="100000"/>
-              </a:lnSpc>
-              <a:spcBef>
-                <a:spcPts val="1134"/>
-              </a:spcBef>
-              <a:buClr>
-                <a:srgbClr val="ffffff"/>
-              </a:buClr>
-              <a:buSzPct val="75000"/>
-              <a:buFont typeface="Symbol"/>
-              <a:buChar char=""/>
-            </a:pPr>
-            <a:r>
-              <a:rPr b="0" lang="en-US" sz="2800" spc="-1" strike="noStrike">
-                <a:solidFill>
-                  <a:srgbClr val="ffffff"/>
-                </a:solidFill>
-                <a:latin typeface="Calibri"/>
-                <a:ea typeface="Calibri"/>
-              </a:rPr>
-              <a:t>SMOTE</a:t>
-            </a:r>
-            <a:endParaRPr b="0" lang="en-US" sz="2800" spc="-1" strike="noStrike">
-              <a:latin typeface="Arial"/>
-            </a:endParaRPr>
-          </a:p>
-          <a:p>
-            <a:pPr marL="228600" indent="-227160">
-              <a:lnSpc>
-                <a:spcPct val="100000"/>
-              </a:lnSpc>
-              <a:spcBef>
-                <a:spcPts val="1414"/>
-              </a:spcBef>
-              <a:buClr>
-                <a:srgbClr val="ffffff"/>
-              </a:buClr>
-              <a:buFont typeface="Arial"/>
-              <a:buChar char="•"/>
-            </a:pPr>
-            <a:r>
-              <a:rPr b="0" lang="en-US" sz="2800" spc="-1" strike="noStrike">
-                <a:solidFill>
-                  <a:srgbClr val="ffffff"/>
-                </a:solidFill>
-                <a:latin typeface="Calibri"/>
-                <a:ea typeface="Calibri"/>
-              </a:rPr>
-              <a:t>Value counts (before)</a:t>
-            </a:r>
-            <a:endParaRPr b="0" lang="en-US" sz="2800" spc="-1" strike="noStrike">
-              <a:latin typeface="Arial"/>
-            </a:endParaRPr>
-          </a:p>
-          <a:p>
-            <a:pPr lvl="1" marL="864000" indent="-322920">
-              <a:lnSpc>
-                <a:spcPct val="100000"/>
-              </a:lnSpc>
-              <a:spcBef>
-                <a:spcPts val="1134"/>
-              </a:spcBef>
-              <a:buClr>
-                <a:srgbClr val="ffffff"/>
-              </a:buClr>
-              <a:buSzPct val="75000"/>
-              <a:buFont typeface="Symbol"/>
-              <a:buChar char=""/>
-            </a:pPr>
-            <a:r>
-              <a:rPr b="0" lang="en-US" sz="2800" spc="-1" strike="noStrike">
-                <a:solidFill>
-                  <a:srgbClr val="ffffff"/>
-                </a:solidFill>
-                <a:latin typeface="Calibri"/>
-                <a:ea typeface="Calibri"/>
-              </a:rPr>
-              <a:t>0 (499)</a:t>
-            </a:r>
-            <a:endParaRPr b="0" lang="en-US" sz="2800" spc="-1" strike="noStrike">
-              <a:latin typeface="Arial"/>
-            </a:endParaRPr>
-          </a:p>
-          <a:p>
-            <a:pPr lvl="1" marL="864000" indent="-322920">
-              <a:lnSpc>
-                <a:spcPct val="100000"/>
-              </a:lnSpc>
-              <a:spcBef>
-                <a:spcPts val="1134"/>
-              </a:spcBef>
-              <a:buClr>
-                <a:srgbClr val="ffffff"/>
-              </a:buClr>
-              <a:buSzPct val="75000"/>
-              <a:buFont typeface="Symbol"/>
-              <a:buChar char=""/>
-            </a:pPr>
-            <a:r>
-              <a:rPr b="0" lang="en-US" sz="2800" spc="-1" strike="noStrike">
-                <a:solidFill>
-                  <a:srgbClr val="ffffff"/>
-                </a:solidFill>
-                <a:latin typeface="Calibri"/>
-                <a:ea typeface="Calibri"/>
-              </a:rPr>
-              <a:t>1 (137)</a:t>
-            </a:r>
-            <a:endParaRPr b="0" lang="en-US" sz="2800" spc="-1" strike="noStrike">
-              <a:latin typeface="Arial"/>
-            </a:endParaRPr>
-          </a:p>
-          <a:p>
-            <a:pPr marL="228600" indent="-227160">
-              <a:lnSpc>
-                <a:spcPct val="100000"/>
-              </a:lnSpc>
-              <a:spcBef>
-                <a:spcPts val="1414"/>
-              </a:spcBef>
-              <a:buClr>
-                <a:srgbClr val="ffffff"/>
-              </a:buClr>
-              <a:buFont typeface="Arial"/>
-              <a:buChar char="•"/>
-            </a:pPr>
-            <a:r>
-              <a:rPr b="0" lang="en-US" sz="2800" spc="-1" strike="noStrike">
-                <a:solidFill>
-                  <a:srgbClr val="ffffff"/>
-                </a:solidFill>
-                <a:latin typeface="Calibri"/>
-                <a:ea typeface="Calibri"/>
-              </a:rPr>
-              <a:t>Value counts (after)</a:t>
-            </a:r>
-            <a:endParaRPr b="0" lang="en-US" sz="2800" spc="-1" strike="noStrike">
-              <a:latin typeface="Arial"/>
-            </a:endParaRPr>
-          </a:p>
-          <a:p>
-            <a:pPr lvl="1" marL="864000" indent="-322920">
-              <a:lnSpc>
-                <a:spcPct val="100000"/>
-              </a:lnSpc>
-              <a:spcBef>
-                <a:spcPts val="1134"/>
-              </a:spcBef>
-              <a:buClr>
-                <a:srgbClr val="ffffff"/>
-              </a:buClr>
-              <a:buSzPct val="75000"/>
-              <a:buFont typeface="Symbol"/>
-              <a:buChar char=""/>
-            </a:pPr>
-            <a:r>
-              <a:rPr b="0" lang="en-US" sz="2800" spc="-1" strike="noStrike">
-                <a:solidFill>
-                  <a:srgbClr val="ffffff"/>
-                </a:solidFill>
-                <a:latin typeface="Calibri"/>
-                <a:ea typeface="Calibri"/>
-              </a:rPr>
-              <a:t>0 (499)</a:t>
-            </a:r>
-            <a:endParaRPr b="0" lang="en-US" sz="2800" spc="-1" strike="noStrike">
-              <a:latin typeface="Arial"/>
-            </a:endParaRPr>
-          </a:p>
-          <a:p>
-            <a:pPr lvl="1" marL="864000" indent="-322920">
-              <a:lnSpc>
-                <a:spcPct val="100000"/>
-              </a:lnSpc>
-              <a:spcBef>
-                <a:spcPts val="1134"/>
-              </a:spcBef>
-              <a:buClr>
-                <a:srgbClr val="ffffff"/>
-              </a:buClr>
-              <a:buSzPct val="75000"/>
-              <a:buFont typeface="Symbol"/>
-              <a:buChar char=""/>
-            </a:pPr>
-            <a:r>
-              <a:rPr b="0" lang="en-US" sz="2800" spc="-1" strike="noStrike">
-                <a:solidFill>
-                  <a:srgbClr val="ffffff"/>
-                </a:solidFill>
-                <a:latin typeface="Calibri"/>
-                <a:ea typeface="Calibri"/>
-              </a:rPr>
-              <a:t>1 (499)</a:t>
-            </a:r>
-            <a:endParaRPr b="0" lang="en-US" sz="2800" spc="-1" strike="noStrike">
-              <a:latin typeface="Arial"/>
-            </a:endParaRPr>
-          </a:p>
-        </p:txBody>
-      </p:sp>
-    </p:spTree>
-  </p:cSld>
-  <mc:AlternateContent>
-    <mc:Choice Requires="p14">
-      <p:transition spd="slow" p14:dur="2000"/>
-    </mc:Choice>
-    <mc:Fallback>
-      <p:transition spd="slow"/>
-    </mc:Fallback>
-  </mc:AlternateContent>
-</p:sld>
-</file>
-
-<file path=ppt/slides/slide31.xml><?xml version="1.0" encoding="utf-8"?>
-<p:sld xmlns:a="http://schemas.openxmlformats.org/drawingml/2006/main" xmlns:p="http://schemas.openxmlformats.org/presentationml/2006/main" xmlns:r="http://schemas.openxmlformats.org/officeDocument/2006/relationships" xmlns:p14="http://schemas.microsoft.com/office/powerpoint/2010/main" xmlns:p15="http://schemas.microsoft.com/office/powerpoint/2012/main" xmlns:mc="http://schemas.openxmlformats.org/markup-compatibility/2006">
-  <p:cSld>
-    <p:bg>
-      <p:bgPr>
-        <a:solidFill>
-          <a:srgbClr val="000000"/>
-        </a:solidFill>
-      </p:bgPr>
-    </p:bg>
-    <p:spTree>
-      <p:nvGrpSpPr>
-        <p:cNvPr id="1" name=""/>
-        <p:cNvGrpSpPr/>
-        <p:nvPr/>
-      </p:nvGrpSpPr>
-      <p:grpSpPr>
-        <a:xfrm>
-          <a:off x="0" y="0"/>
-          <a:ext cx="0" cy="0"/>
-          <a:chOff x="0" y="0"/>
-          <a:chExt cx="0" cy="0"/>
-        </a:xfrm>
-      </p:grpSpPr>
-      <p:sp>
-        <p:nvSpPr>
-          <p:cNvPr id="154" name="CustomShape 1"/>
-          <p:cNvSpPr/>
-          <p:nvPr/>
-        </p:nvSpPr>
-        <p:spPr>
-          <a:xfrm>
-            <a:off x="0" y="0"/>
-            <a:ext cx="12190680" cy="6856560"/>
-          </a:xfrm>
-          <a:prstGeom prst="rect">
-            <a:avLst/>
-          </a:prstGeom>
-          <a:solidFill>
-            <a:schemeClr val="bg1"/>
-          </a:solidFill>
-          <a:ln>
-            <a:noFill/>
-          </a:ln>
-        </p:spPr>
-        <p:style>
-          <a:lnRef idx="2">
-            <a:schemeClr val="accent1">
-              <a:shade val="50000"/>
-            </a:schemeClr>
-          </a:lnRef>
-          <a:fillRef idx="1">
-            <a:schemeClr val="accent1"/>
-          </a:fillRef>
-          <a:effectRef idx="0">
-            <a:schemeClr val="accent1"/>
-          </a:effectRef>
-          <a:fontRef idx="minor"/>
-        </p:style>
-      </p:sp>
-      <p:sp>
-        <p:nvSpPr>
-          <p:cNvPr id="155" name="CustomShape 2"/>
-          <p:cNvSpPr/>
-          <p:nvPr/>
-        </p:nvSpPr>
-        <p:spPr>
-          <a:xfrm>
-            <a:off x="0" y="0"/>
-            <a:ext cx="12190680" cy="6856560"/>
-          </a:xfrm>
-          <a:prstGeom prst="rect">
-            <a:avLst/>
-          </a:prstGeom>
-          <a:gradFill rotWithShape="0">
-            <a:gsLst>
-              <a:gs pos="0">
-                <a:srgbClr val="29af8c"/>
-              </a:gs>
-              <a:gs pos="100000">
-                <a:srgbClr val="97be49"/>
-              </a:gs>
-            </a:gsLst>
-            <a:lin ang="18900000"/>
-          </a:gradFill>
-          <a:ln>
-            <a:noFill/>
-          </a:ln>
-        </p:spPr>
-        <p:style>
-          <a:lnRef idx="2">
-            <a:schemeClr val="accent1">
-              <a:shade val="50000"/>
-            </a:schemeClr>
-          </a:lnRef>
-          <a:fillRef idx="1">
-            <a:schemeClr val="accent1"/>
-          </a:fillRef>
-          <a:effectRef idx="0">
-            <a:schemeClr val="accent1"/>
-          </a:effectRef>
-          <a:fontRef idx="minor"/>
-        </p:style>
-      </p:sp>
-      <p:sp>
-        <p:nvSpPr>
-          <p:cNvPr id="156" name="CustomShape 3"/>
-          <p:cNvSpPr/>
-          <p:nvPr/>
-        </p:nvSpPr>
-        <p:spPr>
-          <a:xfrm>
-            <a:off x="1256400" y="3655440"/>
-            <a:ext cx="9677880" cy="1461600"/>
-          </a:xfrm>
-          <a:prstGeom prst="rect">
-            <a:avLst/>
-          </a:prstGeom>
-          <a:noFill/>
-          <a:ln>
-            <a:noFill/>
-          </a:ln>
-        </p:spPr>
-        <p:style>
-          <a:lnRef idx="0"/>
-          <a:fillRef idx="0"/>
-          <a:effectRef idx="0"/>
-          <a:fontRef idx="minor"/>
-        </p:style>
-        <p:txBody>
-          <a:bodyPr lIns="90000" rIns="90000" tIns="45000" bIns="45000" anchor="b">
-            <a:normAutofit/>
-          </a:bodyPr>
-          <a:p>
-            <a:pPr>
-              <a:lnSpc>
-                <a:spcPct val="90000"/>
-              </a:lnSpc>
-            </a:pPr>
-            <a:r>
-              <a:rPr b="0" lang="en-US" sz="5600" spc="-1" strike="noStrike">
-                <a:solidFill>
-                  <a:srgbClr val="ffffff"/>
-                </a:solidFill>
-                <a:latin typeface="Calibri Light"/>
-                <a:ea typeface="DejaVu Sans"/>
-              </a:rPr>
-              <a:t>Results</a:t>
-            </a:r>
-            <a:endParaRPr b="0" lang="en-US" sz="5600" spc="-1" strike="noStrike">
-              <a:latin typeface="Arial"/>
-            </a:endParaRPr>
-          </a:p>
-        </p:txBody>
-      </p:sp>
-      <p:pic>
-        <p:nvPicPr>
-          <p:cNvPr id="157" name="Picture 164" descr=""/>
-          <p:cNvPicPr/>
-          <p:nvPr/>
-        </p:nvPicPr>
-        <p:blipFill>
-          <a:blip r:embed="rId1"/>
-          <a:stretch/>
-        </p:blipFill>
-        <p:spPr>
-          <a:xfrm>
-            <a:off x="365760" y="1463040"/>
-            <a:ext cx="11619720" cy="1828440"/>
-          </a:xfrm>
-          <a:prstGeom prst="rect">
-            <a:avLst/>
-          </a:prstGeom>
-          <a:ln>
-            <a:noFill/>
-          </a:ln>
-        </p:spPr>
-      </p:pic>
-      <p:cxnSp>
-        <p:nvCxnSpPr>
-          <p:cNvPr id="158" name="Line 4"/>
-          <p:cNvCxnSpPr/>
-          <p:nvPr/>
-        </p:nvCxnSpPr>
-        <p:spPr>
-          <a:xfrm>
-            <a:off x="0" y="0"/>
-            <a:ext cx="360" cy="360"/>
-          </a:xfrm>
-          <a:prstGeom prst="line">
-            <a:avLst/>
-          </a:prstGeom>
-          <a:ln>
-            <a:solidFill>
-              <a:srgbClr val="3465a4"/>
-            </a:solidFill>
-          </a:ln>
-        </p:spPr>
-      </p:cxnSp>
-      <p:cxnSp>
-        <p:nvCxnSpPr>
-          <p:cNvPr id="159" name="Line 5"/>
-          <p:cNvCxnSpPr/>
-          <p:nvPr/>
-        </p:nvCxnSpPr>
-        <p:spPr>
-          <a:xfrm>
-            <a:off x="0" y="0"/>
-            <a:ext cx="360" cy="360"/>
-          </a:xfrm>
-          <a:prstGeom prst="line">
-            <a:avLst/>
-          </a:prstGeom>
-          <a:ln>
-            <a:solidFill>
-              <a:srgbClr val="3465a4"/>
-            </a:solidFill>
-          </a:ln>
-        </p:spPr>
-      </p:cxnSp>
     </p:spTree>
   </p:cSld>
   <mc:AlternateContent>
@@ -19651,7 +18789,7 @@
         <p:spPr>
           <a:xfrm>
             <a:off x="0" y="0"/>
-            <a:ext cx="12187440" cy="6856560"/>
+            <a:ext cx="12187080" cy="6856200"/>
           </a:xfrm>
           <a:prstGeom prst="rect">
             <a:avLst/>
@@ -19687,7 +18825,7 @@
         <p:spPr>
           <a:xfrm>
             <a:off x="635040" y="640800"/>
-            <a:ext cx="3417120" cy="5581800"/>
+            <a:ext cx="3416760" cy="5581440"/>
           </a:xfrm>
           <a:prstGeom prst="rect">
             <a:avLst/>
@@ -19737,8 +18875,8 @@
         </p:nvSpPr>
         <p:spPr>
           <a:xfrm rot="5400000">
-            <a:off x="1628640" y="3462480"/>
-            <a:ext cx="5408640" cy="16920"/>
+            <a:off x="1629000" y="3462480"/>
+            <a:ext cx="5408280" cy="16560"/>
           </a:xfrm>
           <a:custGeom>
             <a:avLst/>
@@ -19970,14 +19108,14 @@
           <p:nvPr>
             <p:extLst>
               <p:ext uri="{D42A27DB-BD31-4B8C-83A1-F6EECF244321}">
-                <p14:modId xmlns:p14="http://schemas.microsoft.com/office/powerpoint/2010/main" val="4137582296"/>
+                <p14:modId xmlns:p14="http://schemas.microsoft.com/office/powerpoint/2010/main" val="1191477216"/>
               </p:ext>
             </p:extLst>
           </p:nvPr>
         </p:nvGraphicFramePr>
         <p:xfrm>
           <a:off x="4647960" y="640800"/>
-          <a:ext cx="6899040" cy="5534640"/>
+          <a:ext cx="6898680" cy="5534280"/>
         </p:xfrm>
         <a:graphic>
           <a:graphicData uri="http://schemas.openxmlformats.org/drawingml/2006/diagram">
@@ -20035,7 +19173,7 @@
         <p:spPr>
           <a:xfrm>
             <a:off x="643320" y="1534320"/>
-            <a:ext cx="10903680" cy="3787920"/>
+            <a:ext cx="10903320" cy="3787560"/>
           </a:xfrm>
           <a:prstGeom prst="rect">
             <a:avLst/>
@@ -20091,7 +19229,7 @@
         <p:spPr>
           <a:xfrm>
             <a:off x="0" y="0"/>
-            <a:ext cx="12187440" cy="6856560"/>
+            <a:ext cx="12187080" cy="6856200"/>
           </a:xfrm>
           <a:prstGeom prst="rect">
             <a:avLst/>
@@ -20127,7 +19265,7 @@
         <p:spPr>
           <a:xfrm>
             <a:off x="838080" y="557280"/>
-            <a:ext cx="10514160" cy="1132200"/>
+            <a:ext cx="10513800" cy="1131840"/>
           </a:xfrm>
           <a:prstGeom prst="rect">
             <a:avLst/>
@@ -20176,14 +19314,14 @@
           <p:nvPr>
             <p:extLst>
               <p:ext uri="{D42A27DB-BD31-4B8C-83A1-F6EECF244321}">
-                <p14:modId xmlns:p14="http://schemas.microsoft.com/office/powerpoint/2010/main" val="1543304804"/>
+                <p14:modId xmlns:p14="http://schemas.microsoft.com/office/powerpoint/2010/main" val="1357875885"/>
               </p:ext>
             </p:extLst>
           </p:nvPr>
         </p:nvGraphicFramePr>
         <p:xfrm>
           <a:off x="838080" y="1828800"/>
-          <a:ext cx="10514160" cy="4350960"/>
+          <a:ext cx="10513800" cy="4350600"/>
         </p:xfrm>
         <a:graphic>
           <a:graphicData uri="http://schemas.openxmlformats.org/drawingml/2006/diagram">
@@ -20237,7 +19375,7 @@
         <p:spPr>
           <a:xfrm>
             <a:off x="0" y="0"/>
-            <a:ext cx="12190680" cy="6856560"/>
+            <a:ext cx="12190320" cy="6856200"/>
           </a:xfrm>
           <a:prstGeom prst="rect">
             <a:avLst/>
@@ -20273,7 +19411,7 @@
         <p:spPr>
           <a:xfrm rot="6268800">
             <a:off x="8719200" y="3338640"/>
-            <a:ext cx="2986560" cy="2986560"/>
+            <a:ext cx="2986200" cy="2986200"/>
           </a:xfrm>
           <a:prstGeom prst="arc">
             <a:avLst>
@@ -20311,7 +19449,7 @@
         <p:spPr>
           <a:xfrm>
             <a:off x="3835080" y="4127400"/>
-            <a:ext cx="6381360" cy="2215080"/>
+            <a:ext cx="6381000" cy="2214720"/>
           </a:xfrm>
           <a:prstGeom prst="rect">
             <a:avLst/>
@@ -20372,7 +19510,7 @@
         <p:spPr>
           <a:xfrm>
             <a:off x="281880" y="853920"/>
-            <a:ext cx="11468880" cy="2948760"/>
+            <a:ext cx="11468520" cy="2948400"/>
           </a:xfrm>
           <a:prstGeom prst="rect">
             <a:avLst/>
@@ -20428,7 +19566,7 @@
         <p:spPr>
           <a:xfrm>
             <a:off x="0" y="0"/>
-            <a:ext cx="12190680" cy="6856560"/>
+            <a:ext cx="12190320" cy="6856200"/>
           </a:xfrm>
           <a:prstGeom prst="rect">
             <a:avLst/>
@@ -20464,7 +19602,7 @@
         <p:spPr>
           <a:xfrm rot="6268800">
             <a:off x="8719200" y="3338640"/>
-            <a:ext cx="2986560" cy="2986560"/>
+            <a:ext cx="2986200" cy="2986200"/>
           </a:xfrm>
           <a:prstGeom prst="arc">
             <a:avLst>
@@ -20502,7 +19640,7 @@
         <p:spPr>
           <a:xfrm>
             <a:off x="3835080" y="4127400"/>
-            <a:ext cx="6381360" cy="2215080"/>
+            <a:ext cx="6381000" cy="2214720"/>
           </a:xfrm>
           <a:prstGeom prst="rect">
             <a:avLst/>
@@ -20563,7 +19701,7 @@
         <p:spPr>
           <a:xfrm>
             <a:off x="1097280" y="640080"/>
-            <a:ext cx="9579960" cy="3382200"/>
+            <a:ext cx="9579600" cy="3381840"/>
           </a:xfrm>
           <a:prstGeom prst="rect">
             <a:avLst/>
@@ -20619,7 +19757,7 @@
         <p:spPr>
           <a:xfrm>
             <a:off x="835200" y="494640"/>
-            <a:ext cx="9438840" cy="1324080"/>
+            <a:ext cx="9438480" cy="1323720"/>
           </a:xfrm>
           <a:prstGeom prst="rect">
             <a:avLst/>
@@ -20669,8 +19807,8 @@
         </p:nvSpPr>
         <p:spPr>
           <a:xfrm rot="5400000">
-            <a:off x="6034320" y="-6031800"/>
-            <a:ext cx="124560" cy="12190680"/>
+            <a:off x="6034680" y="-6031440"/>
+            <a:ext cx="124200" cy="12190320"/>
           </a:xfrm>
           <a:prstGeom prst="rect">
             <a:avLst/>
@@ -20698,7 +19836,7 @@
         <p:spPr>
           <a:xfrm>
             <a:off x="838080" y="1825560"/>
-            <a:ext cx="5712120" cy="4349880"/>
+            <a:ext cx="5711760" cy="4349520"/>
           </a:xfrm>
           <a:prstGeom prst="rect">
             <a:avLst/>
@@ -20719,7 +19857,7 @@
             <a:noAutofit/>
           </a:bodyPr>
           <a:p>
-            <a:pPr marL="457200" indent="-455760">
+            <a:pPr marL="457200" indent="-455400">
               <a:lnSpc>
                 <a:spcPct val="90000"/>
               </a:lnSpc>
@@ -20747,7 +19885,7 @@
             </a:endParaRPr>
           </a:p>
           <a:p>
-            <a:pPr marL="457200" indent="-455760">
+            <a:pPr marL="457200" indent="-455400">
               <a:lnSpc>
                 <a:spcPct val="90000"/>
               </a:lnSpc>
@@ -20775,7 +19913,7 @@
             </a:endParaRPr>
           </a:p>
           <a:p>
-            <a:pPr marL="457200" indent="-455760">
+            <a:pPr marL="457200" indent="-455400">
               <a:lnSpc>
                 <a:spcPct val="90000"/>
               </a:lnSpc>
@@ -20803,7 +19941,7 @@
             </a:endParaRPr>
           </a:p>
           <a:p>
-            <a:pPr marL="457200" indent="-455760">
+            <a:pPr marL="457200" indent="-455400">
               <a:lnSpc>
                 <a:spcPct val="90000"/>
               </a:lnSpc>
@@ -20841,7 +19979,7 @@
         <p:spPr>
           <a:xfrm>
             <a:off x="6967440" y="2193840"/>
-            <a:ext cx="4912920" cy="3381480"/>
+            <a:ext cx="4912560" cy="3381480"/>
           </a:xfrm>
           <a:prstGeom prst="rect">
             <a:avLst/>
@@ -20898,7 +20036,7 @@
         <p:spPr>
           <a:xfrm>
             <a:off x="6973200" y="5727240"/>
-            <a:ext cx="4912920" cy="710280"/>
+            <a:ext cx="4912560" cy="709920"/>
           </a:xfrm>
           <a:prstGeom prst="rect">
             <a:avLst/>
